--- a/2.项目PPT/第十一周进度.pptx
+++ b/2.项目PPT/第十一周进度.pptx
@@ -13,6 +13,9 @@
     <p:sldId id="262" r:id="rId7"/>
     <p:sldId id="259" r:id="rId8"/>
     <p:sldId id="263" r:id="rId9"/>
+    <p:sldId id="264" r:id="rId10"/>
+    <p:sldId id="265" r:id="rId11"/>
+    <p:sldId id="267" r:id="rId12"/>
   </p:sldIdLst>
   <p:sldSz cx="9144000" cy="6858000" type="screen4x3"/>
   <p:notesSz cx="6858000" cy="9144000"/>
@@ -348,6 +351,9 @@
   <p:clrMapOvr>
     <a:masterClrMapping/>
   </p:clrMapOvr>
+  <p:transition spd="slow">
+    <p:push dir="u"/>
+  </p:transition>
 </p:sldLayout>
 </file>
 
@@ -513,6 +519,9 @@
   <p:clrMapOvr>
     <a:masterClrMapping/>
   </p:clrMapOvr>
+  <p:transition spd="slow">
+    <p:push dir="u"/>
+  </p:transition>
 </p:sldLayout>
 </file>
 
@@ -688,6 +697,9 @@
   <p:clrMapOvr>
     <a:masterClrMapping/>
   </p:clrMapOvr>
+  <p:transition spd="slow">
+    <p:push dir="u"/>
+  </p:transition>
 </p:sldLayout>
 </file>
 
@@ -853,6 +865,9 @@
   <p:clrMapOvr>
     <a:masterClrMapping/>
   </p:clrMapOvr>
+  <p:transition spd="slow">
+    <p:push dir="u"/>
+  </p:transition>
 </p:sldLayout>
 </file>
 
@@ -1094,6 +1109,9 @@
   <p:clrMapOvr>
     <a:masterClrMapping/>
   </p:clrMapOvr>
+  <p:transition spd="slow">
+    <p:push dir="u"/>
+  </p:transition>
 </p:sldLayout>
 </file>
 
@@ -1377,6 +1395,9 @@
   <p:clrMapOvr>
     <a:masterClrMapping/>
   </p:clrMapOvr>
+  <p:transition spd="slow">
+    <p:push dir="u"/>
+  </p:transition>
 </p:sldLayout>
 </file>
 
@@ -1794,6 +1815,9 @@
   <p:clrMapOvr>
     <a:masterClrMapping/>
   </p:clrMapOvr>
+  <p:transition spd="slow">
+    <p:push dir="u"/>
+  </p:transition>
 </p:sldLayout>
 </file>
 
@@ -1907,6 +1931,9 @@
   <p:clrMapOvr>
     <a:masterClrMapping/>
   </p:clrMapOvr>
+  <p:transition spd="slow">
+    <p:push dir="u"/>
+  </p:transition>
 </p:sldLayout>
 </file>
 
@@ -1997,6 +2024,9 @@
   <p:clrMapOvr>
     <a:masterClrMapping/>
   </p:clrMapOvr>
+  <p:transition spd="slow">
+    <p:push dir="u"/>
+  </p:transition>
 </p:sldLayout>
 </file>
 
@@ -2269,6 +2299,9 @@
   <p:clrMapOvr>
     <a:masterClrMapping/>
   </p:clrMapOvr>
+  <p:transition spd="slow">
+    <p:push dir="u"/>
+  </p:transition>
 </p:sldLayout>
 </file>
 
@@ -2517,6 +2550,9 @@
   <p:clrMapOvr>
     <a:masterClrMapping/>
   </p:clrMapOvr>
+  <p:transition spd="slow">
+    <p:push dir="u"/>
+  </p:transition>
 </p:sldLayout>
 </file>
 
@@ -2772,6 +2808,9 @@
     <p:sldLayoutId id="2147483658" r:id="rId10"/>
     <p:sldLayoutId id="2147483659" r:id="rId11"/>
   </p:sldLayoutIdLst>
+  <p:transition spd="slow">
+    <p:push dir="u"/>
+  </p:transition>
   <p:txStyles>
     <p:titleStyle>
       <a:lvl1pPr algn="ctr" defTabSz="914400" rtl="0" eaLnBrk="1" latinLnBrk="0" hangingPunct="1">
@@ -3066,7 +3105,11 @@
           <a:p>
             <a:r>
               <a:rPr lang="zh-CN" altLang="en-US" sz="6000" dirty="0" smtClean="0"/>
-              <a:t>测试需求</a:t>
+              <a:t>测试</a:t>
+            </a:r>
+            <a:r>
+              <a:rPr lang="zh-CN" altLang="en-US" sz="6000" dirty="0" smtClean="0"/>
+              <a:t>需求细化</a:t>
             </a:r>
             <a:endParaRPr lang="zh-CN" altLang="en-US" sz="6000" dirty="0"/>
           </a:p>
@@ -3126,6 +3169,324 @@
   <p:clrMapOvr>
     <a:masterClrMapping/>
   </p:clrMapOvr>
+  <p:transition spd="slow">
+    <p:push dir="u"/>
+  </p:transition>
+  <p:timing>
+    <p:tnLst>
+      <p:par>
+        <p:cTn id="1" dur="indefinite" restart="never" nodeType="tmRoot"/>
+      </p:par>
+    </p:tnLst>
+  </p:timing>
+</p:sld>
+</file>
+
+<file path=ppt/slides/slide10.xml><?xml version="1.0" encoding="utf-8"?>
+<p:sld xmlns:a="http://schemas.openxmlformats.org/drawingml/2006/main" xmlns:r="http://schemas.openxmlformats.org/officeDocument/2006/relationships" xmlns:p="http://schemas.openxmlformats.org/presentationml/2006/main">
+  <p:cSld>
+    <p:spTree>
+      <p:nvGrpSpPr>
+        <p:cNvPr id="1" name=""/>
+        <p:cNvGrpSpPr/>
+        <p:nvPr/>
+      </p:nvGrpSpPr>
+      <p:grpSpPr>
+        <a:xfrm>
+          <a:off x="0" y="0"/>
+          <a:ext cx="0" cy="0"/>
+          <a:chOff x="0" y="0"/>
+          <a:chExt cx="0" cy="0"/>
+        </a:xfrm>
+      </p:grpSpPr>
+      <p:sp>
+        <p:nvSpPr>
+          <p:cNvPr id="2" name="标题 1"/>
+          <p:cNvSpPr>
+            <a:spLocks noGrp="1"/>
+          </p:cNvSpPr>
+          <p:nvPr>
+            <p:ph type="title"/>
+          </p:nvPr>
+        </p:nvSpPr>
+        <p:spPr/>
+        <p:txBody>
+          <a:bodyPr/>
+          <a:lstStyle/>
+          <a:p>
+            <a:r>
+              <a:rPr lang="zh-CN" altLang="en-US" dirty="0"/>
+              <a:t>数据分析报告</a:t>
+            </a:r>
+            <a:r>
+              <a:rPr lang="en-US" altLang="zh-CN" dirty="0"/>
+              <a:t>-</a:t>
+            </a:r>
+            <a:r>
+              <a:rPr lang="zh-CN" altLang="en-US" dirty="0" smtClean="0"/>
+              <a:t>需求评审</a:t>
+            </a:r>
+            <a:endParaRPr lang="zh-CN" altLang="en-US" dirty="0"/>
+          </a:p>
+        </p:txBody>
+      </p:sp>
+      <p:sp>
+        <p:nvSpPr>
+          <p:cNvPr id="3" name="内容占位符 2"/>
+          <p:cNvSpPr>
+            <a:spLocks noGrp="1"/>
+          </p:cNvSpPr>
+          <p:nvPr>
+            <p:ph idx="1"/>
+          </p:nvPr>
+        </p:nvSpPr>
+        <p:spPr/>
+        <p:txBody>
+          <a:bodyPr/>
+          <a:lstStyle/>
+          <a:p>
+            <a:endParaRPr lang="zh-CN" altLang="en-US" dirty="0"/>
+          </a:p>
+        </p:txBody>
+      </p:sp>
+      <p:pic>
+        <p:nvPicPr>
+          <p:cNvPr id="3074" name="Picture 2"/>
+          <p:cNvPicPr>
+            <a:picLocks noChangeAspect="1" noChangeArrowheads="1"/>
+          </p:cNvPicPr>
+          <p:nvPr/>
+        </p:nvPicPr>
+        <p:blipFill>
+          <a:blip r:embed="rId2">
+            <a:extLst>
+              <a:ext uri="{28A0092B-C50C-407E-A947-70E740481C1C}">
+                <a14:useLocalDpi xmlns:a14="http://schemas.microsoft.com/office/drawing/2010/main" val="0"/>
+              </a:ext>
+            </a:extLst>
+          </a:blip>
+          <a:srcRect/>
+          <a:stretch>
+            <a:fillRect/>
+          </a:stretch>
+        </p:blipFill>
+        <p:spPr bwMode="auto">
+          <a:xfrm>
+            <a:off x="827584" y="1700808"/>
+            <a:ext cx="7272808" cy="4936738"/>
+          </a:xfrm>
+          <a:prstGeom prst="rect">
+            <a:avLst/>
+          </a:prstGeom>
+          <a:noFill/>
+          <a:ln>
+            <a:noFill/>
+          </a:ln>
+          <a:effectLst/>
+          <a:extLst>
+            <a:ext uri="{909E8E84-426E-40DD-AFC4-6F175D3DCCD1}">
+              <a14:hiddenFill xmlns:a14="http://schemas.microsoft.com/office/drawing/2010/main">
+                <a:solidFill>
+                  <a:schemeClr val="accent1"/>
+                </a:solidFill>
+              </a14:hiddenFill>
+            </a:ext>
+            <a:ext uri="{91240B29-F687-4F45-9708-019B960494DF}">
+              <a14:hiddenLine xmlns:a14="http://schemas.microsoft.com/office/drawing/2010/main" w="9525">
+                <a:solidFill>
+                  <a:schemeClr val="tx1"/>
+                </a:solidFill>
+                <a:miter lim="800000"/>
+                <a:headEnd/>
+                <a:tailEnd/>
+              </a14:hiddenLine>
+            </a:ext>
+            <a:ext uri="{AF507438-7753-43E0-B8FC-AC1667EBCBE1}">
+              <a14:hiddenEffects xmlns:a14="http://schemas.microsoft.com/office/drawing/2010/main">
+                <a:effectLst>
+                  <a:outerShdw dist="35921" dir="2700000" algn="ctr" rotWithShape="0">
+                    <a:schemeClr val="bg2"/>
+                  </a:outerShdw>
+                </a:effectLst>
+              </a14:hiddenEffects>
+            </a:ext>
+          </a:extLst>
+        </p:spPr>
+      </p:pic>
+    </p:spTree>
+    <p:extLst>
+      <p:ext uri="{BB962C8B-B14F-4D97-AF65-F5344CB8AC3E}">
+        <p14:creationId xmlns:p14="http://schemas.microsoft.com/office/powerpoint/2010/main" val="743541137"/>
+      </p:ext>
+    </p:extLst>
+  </p:cSld>
+  <p:clrMapOvr>
+    <a:masterClrMapping/>
+  </p:clrMapOvr>
+  <p:transition spd="slow">
+    <p:push dir="u"/>
+  </p:transition>
+  <p:timing>
+    <p:tnLst>
+      <p:par>
+        <p:cTn id="1" dur="indefinite" restart="never" nodeType="tmRoot"/>
+      </p:par>
+    </p:tnLst>
+  </p:timing>
+</p:sld>
+</file>
+
+<file path=ppt/slides/slide11.xml><?xml version="1.0" encoding="utf-8"?>
+<p:sld xmlns:a="http://schemas.openxmlformats.org/drawingml/2006/main" xmlns:r="http://schemas.openxmlformats.org/officeDocument/2006/relationships" xmlns:p="http://schemas.openxmlformats.org/presentationml/2006/main">
+  <p:cSld>
+    <p:spTree>
+      <p:nvGrpSpPr>
+        <p:cNvPr id="1" name=""/>
+        <p:cNvGrpSpPr/>
+        <p:nvPr/>
+      </p:nvGrpSpPr>
+      <p:grpSpPr>
+        <a:xfrm>
+          <a:off x="0" y="0"/>
+          <a:ext cx="0" cy="0"/>
+          <a:chOff x="0" y="0"/>
+          <a:chExt cx="0" cy="0"/>
+        </a:xfrm>
+      </p:grpSpPr>
+      <p:sp>
+        <p:nvSpPr>
+          <p:cNvPr id="2" name="标题 1"/>
+          <p:cNvSpPr>
+            <a:spLocks noGrp="1"/>
+          </p:cNvSpPr>
+          <p:nvPr>
+            <p:ph type="title"/>
+          </p:nvPr>
+        </p:nvSpPr>
+        <p:spPr/>
+        <p:txBody>
+          <a:bodyPr/>
+          <a:lstStyle/>
+          <a:p>
+            <a:r>
+              <a:rPr lang="zh-CN" altLang="en-US" dirty="0"/>
+              <a:t>数据分析报告</a:t>
+            </a:r>
+            <a:r>
+              <a:rPr lang="en-US" altLang="zh-CN" dirty="0"/>
+              <a:t>-</a:t>
+            </a:r>
+            <a:r>
+              <a:rPr lang="zh-CN" altLang="en-US" dirty="0" smtClean="0"/>
+              <a:t>软件开发工作量</a:t>
+            </a:r>
+            <a:endParaRPr lang="zh-CN" altLang="en-US" dirty="0"/>
+          </a:p>
+        </p:txBody>
+      </p:sp>
+      <p:sp>
+        <p:nvSpPr>
+          <p:cNvPr id="3" name="内容占位符 2"/>
+          <p:cNvSpPr>
+            <a:spLocks noGrp="1"/>
+          </p:cNvSpPr>
+          <p:nvPr>
+            <p:ph idx="1"/>
+          </p:nvPr>
+        </p:nvSpPr>
+        <p:spPr/>
+        <p:txBody>
+          <a:bodyPr/>
+          <a:lstStyle/>
+          <a:p>
+            <a:endParaRPr lang="zh-CN" altLang="en-US"/>
+          </a:p>
+        </p:txBody>
+      </p:sp>
+      <p:pic>
+        <p:nvPicPr>
+          <p:cNvPr id="5122" name="Picture 2"/>
+          <p:cNvPicPr>
+            <a:picLocks noChangeAspect="1" noChangeArrowheads="1"/>
+          </p:cNvPicPr>
+          <p:nvPr/>
+        </p:nvPicPr>
+        <p:blipFill>
+          <a:blip r:embed="rId2">
+            <a:extLst>
+              <a:ext uri="{28A0092B-C50C-407E-A947-70E740481C1C}">
+                <a14:useLocalDpi xmlns:a14="http://schemas.microsoft.com/office/drawing/2010/main" val="0"/>
+              </a:ext>
+            </a:extLst>
+          </a:blip>
+          <a:srcRect/>
+          <a:stretch>
+            <a:fillRect/>
+          </a:stretch>
+        </p:blipFill>
+        <p:spPr bwMode="auto">
+          <a:xfrm>
+            <a:off x="395536" y="1628800"/>
+            <a:ext cx="8373550" cy="4824536"/>
+          </a:xfrm>
+          <a:prstGeom prst="rect">
+            <a:avLst/>
+          </a:prstGeom>
+          <a:noFill/>
+          <a:ln>
+            <a:noFill/>
+          </a:ln>
+          <a:effectLst/>
+          <a:extLst>
+            <a:ext uri="{909E8E84-426E-40DD-AFC4-6F175D3DCCD1}">
+              <a14:hiddenFill xmlns:a14="http://schemas.microsoft.com/office/drawing/2010/main">
+                <a:solidFill>
+                  <a:schemeClr val="accent1"/>
+                </a:solidFill>
+              </a14:hiddenFill>
+            </a:ext>
+            <a:ext uri="{91240B29-F687-4F45-9708-019B960494DF}">
+              <a14:hiddenLine xmlns:a14="http://schemas.microsoft.com/office/drawing/2010/main" w="9525">
+                <a:solidFill>
+                  <a:schemeClr val="tx1"/>
+                </a:solidFill>
+                <a:miter lim="800000"/>
+                <a:headEnd/>
+                <a:tailEnd/>
+              </a14:hiddenLine>
+            </a:ext>
+            <a:ext uri="{AF507438-7753-43E0-B8FC-AC1667EBCBE1}">
+              <a14:hiddenEffects xmlns:a14="http://schemas.microsoft.com/office/drawing/2010/main">
+                <a:effectLst>
+                  <a:outerShdw dist="35921" dir="2700000" algn="ctr" rotWithShape="0">
+                    <a:schemeClr val="bg2"/>
+                  </a:outerShdw>
+                </a:effectLst>
+              </a14:hiddenEffects>
+            </a:ext>
+          </a:extLst>
+        </p:spPr>
+      </p:pic>
+    </p:spTree>
+    <p:extLst>
+      <p:ext uri="{BB962C8B-B14F-4D97-AF65-F5344CB8AC3E}">
+        <p14:creationId xmlns:p14="http://schemas.microsoft.com/office/powerpoint/2010/main" val="3319847513"/>
+      </p:ext>
+    </p:extLst>
+  </p:cSld>
+  <p:clrMapOvr>
+    <a:masterClrMapping/>
+  </p:clrMapOvr>
+  <p:transition spd="slow">
+    <p:push dir="u"/>
+  </p:transition>
+  <p:timing>
+    <p:tnLst>
+      <p:par>
+        <p:cTn id="1" dur="indefinite" restart="never" nodeType="tmRoot"/>
+      </p:par>
+    </p:tnLst>
+  </p:timing>
 </p:sld>
 </file>
 
@@ -3280,14 +3641,9 @@
   <p:clrMapOvr>
     <a:masterClrMapping/>
   </p:clrMapOvr>
-  <mc:AlternateContent xmlns:mc="http://schemas.openxmlformats.org/markup-compatibility/2006">
-    <mc:Choice xmlns:p14="http://schemas.microsoft.com/office/powerpoint/2010/main" Requires="p14">
-      <p:transition spd="slow" p14:dur="2000"/>
-    </mc:Choice>
-    <mc:Fallback>
-      <p:transition spd="slow"/>
-    </mc:Fallback>
-  </mc:AlternateContent>
+  <p:transition spd="slow">
+    <p:push dir="u"/>
+  </p:transition>
   <p:timing>
     <p:tnLst>
       <p:par>
@@ -3412,33 +3768,15 @@
                                   </p:childTnLst>
                                 </p:cTn>
                               </p:par>
-                            </p:childTnLst>
-                          </p:cTn>
-                        </p:par>
-                      </p:childTnLst>
-                    </p:cTn>
-                  </p:par>
-                  <p:par>
-                    <p:cTn id="13" fill="hold">
-                      <p:stCondLst>
-                        <p:cond delay="indefinite"/>
-                      </p:stCondLst>
-                      <p:childTnLst>
-                        <p:par>
-                          <p:cTn id="14" fill="hold">
-                            <p:stCondLst>
-                              <p:cond delay="0"/>
-                            </p:stCondLst>
-                            <p:childTnLst>
                               <p:par>
-                                <p:cTn id="15" presetID="10" presetClass="entr" presetSubtype="0" fill="hold" grpId="0" nodeType="clickEffect">
+                                <p:cTn id="13" presetID="10" presetClass="entr" presetSubtype="0" fill="hold" grpId="0" nodeType="withEffect">
                                   <p:stCondLst>
                                     <p:cond delay="0"/>
                                   </p:stCondLst>
                                   <p:childTnLst>
                                     <p:set>
                                       <p:cBhvr>
-                                        <p:cTn id="16" dur="1" fill="hold">
+                                        <p:cTn id="14" dur="1" fill="hold">
                                           <p:stCondLst>
                                             <p:cond delay="0"/>
                                           </p:stCondLst>
@@ -3460,7 +3798,7 @@
                                     </p:set>
                                     <p:animEffect transition="in" filter="fade">
                                       <p:cBhvr>
-                                        <p:cTn id="17" dur="500"/>
+                                        <p:cTn id="15" dur="500"/>
                                         <p:tgtEl>
                                           <p:spTgt spid="3">
                                             <p:txEl>
@@ -3480,26 +3818,26 @@
                     </p:cTn>
                   </p:par>
                   <p:par>
-                    <p:cTn id="18" fill="hold">
+                    <p:cTn id="16" fill="hold">
                       <p:stCondLst>
                         <p:cond delay="indefinite"/>
                       </p:stCondLst>
                       <p:childTnLst>
                         <p:par>
-                          <p:cTn id="19" fill="hold">
+                          <p:cTn id="17" fill="hold">
                             <p:stCondLst>
                               <p:cond delay="0"/>
                             </p:stCondLst>
                             <p:childTnLst>
                               <p:par>
-                                <p:cTn id="20" presetID="10" presetClass="entr" presetSubtype="0" fill="hold" grpId="0" nodeType="clickEffect">
+                                <p:cTn id="18" presetID="10" presetClass="entr" presetSubtype="0" fill="hold" grpId="0" nodeType="clickEffect">
                                   <p:stCondLst>
                                     <p:cond delay="0"/>
                                   </p:stCondLst>
                                   <p:childTnLst>
                                     <p:set>
                                       <p:cBhvr>
-                                        <p:cTn id="21" dur="1" fill="hold">
+                                        <p:cTn id="19" dur="1" fill="hold">
                                           <p:stCondLst>
                                             <p:cond delay="0"/>
                                           </p:stCondLst>
@@ -3521,11 +3859,97 @@
                                     </p:set>
                                     <p:animEffect transition="in" filter="fade">
                                       <p:cBhvr>
-                                        <p:cTn id="22" dur="500"/>
+                                        <p:cTn id="20" dur="500"/>
                                         <p:tgtEl>
                                           <p:spTgt spid="3">
                                             <p:txEl>
                                               <p:pRg st="3" end="3"/>
+                                            </p:txEl>
+                                          </p:spTgt>
+                                        </p:tgtEl>
+                                      </p:cBhvr>
+                                    </p:animEffect>
+                                  </p:childTnLst>
+                                </p:cTn>
+                              </p:par>
+                              <p:par>
+                                <p:cTn id="21" presetID="10" presetClass="entr" presetSubtype="0" fill="hold" grpId="0" nodeType="withEffect">
+                                  <p:stCondLst>
+                                    <p:cond delay="0"/>
+                                  </p:stCondLst>
+                                  <p:childTnLst>
+                                    <p:set>
+                                      <p:cBhvr>
+                                        <p:cTn id="22" dur="1" fill="hold">
+                                          <p:stCondLst>
+                                            <p:cond delay="0"/>
+                                          </p:stCondLst>
+                                        </p:cTn>
+                                        <p:tgtEl>
+                                          <p:spTgt spid="3">
+                                            <p:txEl>
+                                              <p:pRg st="4" end="4"/>
+                                            </p:txEl>
+                                          </p:spTgt>
+                                        </p:tgtEl>
+                                        <p:attrNameLst>
+                                          <p:attrName>style.visibility</p:attrName>
+                                        </p:attrNameLst>
+                                      </p:cBhvr>
+                                      <p:to>
+                                        <p:strVal val="visible"/>
+                                      </p:to>
+                                    </p:set>
+                                    <p:animEffect transition="in" filter="fade">
+                                      <p:cBhvr>
+                                        <p:cTn id="23" dur="500"/>
+                                        <p:tgtEl>
+                                          <p:spTgt spid="3">
+                                            <p:txEl>
+                                              <p:pRg st="4" end="4"/>
+                                            </p:txEl>
+                                          </p:spTgt>
+                                        </p:tgtEl>
+                                      </p:cBhvr>
+                                    </p:animEffect>
+                                  </p:childTnLst>
+                                </p:cTn>
+                              </p:par>
+                              <p:par>
+                                <p:cTn id="24" presetID="10" presetClass="entr" presetSubtype="0" fill="hold" grpId="0" nodeType="withEffect">
+                                  <p:stCondLst>
+                                    <p:cond delay="0"/>
+                                  </p:stCondLst>
+                                  <p:childTnLst>
+                                    <p:set>
+                                      <p:cBhvr>
+                                        <p:cTn id="25" dur="1" fill="hold">
+                                          <p:stCondLst>
+                                            <p:cond delay="0"/>
+                                          </p:stCondLst>
+                                        </p:cTn>
+                                        <p:tgtEl>
+                                          <p:spTgt spid="3">
+                                            <p:txEl>
+                                              <p:pRg st="5" end="5"/>
+                                            </p:txEl>
+                                          </p:spTgt>
+                                        </p:tgtEl>
+                                        <p:attrNameLst>
+                                          <p:attrName>style.visibility</p:attrName>
+                                        </p:attrNameLst>
+                                      </p:cBhvr>
+                                      <p:to>
+                                        <p:strVal val="visible"/>
+                                      </p:to>
+                                    </p:set>
+                                    <p:animEffect transition="in" filter="fade">
+                                      <p:cBhvr>
+                                        <p:cTn id="26" dur="500"/>
+                                        <p:tgtEl>
+                                          <p:spTgt spid="3">
+                                            <p:txEl>
+                                              <p:pRg st="5" end="5"/>
                                             </p:txEl>
                                           </p:spTgt>
                                         </p:tgtEl>
@@ -3541,26 +3965,26 @@
                     </p:cTn>
                   </p:par>
                   <p:par>
-                    <p:cTn id="23" fill="hold">
+                    <p:cTn id="27" fill="hold">
                       <p:stCondLst>
                         <p:cond delay="indefinite"/>
                       </p:stCondLst>
                       <p:childTnLst>
                         <p:par>
-                          <p:cTn id="24" fill="hold">
+                          <p:cTn id="28" fill="hold">
                             <p:stCondLst>
                               <p:cond delay="0"/>
                             </p:stCondLst>
                             <p:childTnLst>
                               <p:par>
-                                <p:cTn id="25" presetID="10" presetClass="entr" presetSubtype="0" fill="hold" grpId="0" nodeType="clickEffect">
+                                <p:cTn id="29" presetID="10" presetClass="entr" presetSubtype="0" fill="hold" grpId="0" nodeType="clickEffect">
                                   <p:stCondLst>
                                     <p:cond delay="0"/>
                                   </p:stCondLst>
                                   <p:childTnLst>
                                     <p:set>
                                       <p:cBhvr>
-                                        <p:cTn id="26" dur="1" fill="hold">
+                                        <p:cTn id="30" dur="1" fill="hold">
                                           <p:stCondLst>
                                             <p:cond delay="0"/>
                                           </p:stCondLst>
@@ -3568,7 +3992,7 @@
                                         <p:tgtEl>
                                           <p:spTgt spid="3">
                                             <p:txEl>
-                                              <p:pRg st="4" end="4"/>
+                                              <p:pRg st="6" end="6"/>
                                             </p:txEl>
                                           </p:spTgt>
                                         </p:tgtEl>
@@ -3582,129 +4006,7 @@
                                     </p:set>
                                     <p:animEffect transition="in" filter="fade">
                                       <p:cBhvr>
-                                        <p:cTn id="27" dur="500"/>
-                                        <p:tgtEl>
-                                          <p:spTgt spid="3">
-                                            <p:txEl>
-                                              <p:pRg st="4" end="4"/>
-                                            </p:txEl>
-                                          </p:spTgt>
-                                        </p:tgtEl>
-                                      </p:cBhvr>
-                                    </p:animEffect>
-                                  </p:childTnLst>
-                                </p:cTn>
-                              </p:par>
-                            </p:childTnLst>
-                          </p:cTn>
-                        </p:par>
-                      </p:childTnLst>
-                    </p:cTn>
-                  </p:par>
-                  <p:par>
-                    <p:cTn id="28" fill="hold">
-                      <p:stCondLst>
-                        <p:cond delay="indefinite"/>
-                      </p:stCondLst>
-                      <p:childTnLst>
-                        <p:par>
-                          <p:cTn id="29" fill="hold">
-                            <p:stCondLst>
-                              <p:cond delay="0"/>
-                            </p:stCondLst>
-                            <p:childTnLst>
-                              <p:par>
-                                <p:cTn id="30" presetID="10" presetClass="entr" presetSubtype="0" fill="hold" grpId="0" nodeType="clickEffect">
-                                  <p:stCondLst>
-                                    <p:cond delay="0"/>
-                                  </p:stCondLst>
-                                  <p:childTnLst>
-                                    <p:set>
-                                      <p:cBhvr>
-                                        <p:cTn id="31" dur="1" fill="hold">
-                                          <p:stCondLst>
-                                            <p:cond delay="0"/>
-                                          </p:stCondLst>
-                                        </p:cTn>
-                                        <p:tgtEl>
-                                          <p:spTgt spid="3">
-                                            <p:txEl>
-                                              <p:pRg st="5" end="5"/>
-                                            </p:txEl>
-                                          </p:spTgt>
-                                        </p:tgtEl>
-                                        <p:attrNameLst>
-                                          <p:attrName>style.visibility</p:attrName>
-                                        </p:attrNameLst>
-                                      </p:cBhvr>
-                                      <p:to>
-                                        <p:strVal val="visible"/>
-                                      </p:to>
-                                    </p:set>
-                                    <p:animEffect transition="in" filter="fade">
-                                      <p:cBhvr>
-                                        <p:cTn id="32" dur="500"/>
-                                        <p:tgtEl>
-                                          <p:spTgt spid="3">
-                                            <p:txEl>
-                                              <p:pRg st="5" end="5"/>
-                                            </p:txEl>
-                                          </p:spTgt>
-                                        </p:tgtEl>
-                                      </p:cBhvr>
-                                    </p:animEffect>
-                                  </p:childTnLst>
-                                </p:cTn>
-                              </p:par>
-                            </p:childTnLst>
-                          </p:cTn>
-                        </p:par>
-                      </p:childTnLst>
-                    </p:cTn>
-                  </p:par>
-                  <p:par>
-                    <p:cTn id="33" fill="hold">
-                      <p:stCondLst>
-                        <p:cond delay="indefinite"/>
-                      </p:stCondLst>
-                      <p:childTnLst>
-                        <p:par>
-                          <p:cTn id="34" fill="hold">
-                            <p:stCondLst>
-                              <p:cond delay="0"/>
-                            </p:stCondLst>
-                            <p:childTnLst>
-                              <p:par>
-                                <p:cTn id="35" presetID="10" presetClass="entr" presetSubtype="0" fill="hold" grpId="0" nodeType="clickEffect">
-                                  <p:stCondLst>
-                                    <p:cond delay="0"/>
-                                  </p:stCondLst>
-                                  <p:childTnLst>
-                                    <p:set>
-                                      <p:cBhvr>
-                                        <p:cTn id="36" dur="1" fill="hold">
-                                          <p:stCondLst>
-                                            <p:cond delay="0"/>
-                                          </p:stCondLst>
-                                        </p:cTn>
-                                        <p:tgtEl>
-                                          <p:spTgt spid="3">
-                                            <p:txEl>
-                                              <p:pRg st="6" end="6"/>
-                                            </p:txEl>
-                                          </p:spTgt>
-                                        </p:tgtEl>
-                                        <p:attrNameLst>
-                                          <p:attrName>style.visibility</p:attrName>
-                                        </p:attrNameLst>
-                                      </p:cBhvr>
-                                      <p:to>
-                                        <p:strVal val="visible"/>
-                                      </p:to>
-                                    </p:set>
-                                    <p:animEffect transition="in" filter="fade">
-                                      <p:cBhvr>
-                                        <p:cTn id="37" dur="500"/>
+                                        <p:cTn id="31" dur="500"/>
                                         <p:tgtEl>
                                           <p:spTgt spid="3">
                                             <p:txEl>
@@ -3921,14 +4223,9 @@
   <p:clrMapOvr>
     <a:masterClrMapping/>
   </p:clrMapOvr>
-  <mc:AlternateContent xmlns:mc="http://schemas.openxmlformats.org/markup-compatibility/2006">
-    <mc:Choice xmlns:p14="http://schemas.microsoft.com/office/powerpoint/2010/main" Requires="p14">
-      <p:transition spd="slow" p14:dur="2000"/>
-    </mc:Choice>
-    <mc:Fallback>
-      <p:transition spd="slow"/>
-    </mc:Fallback>
-  </mc:AlternateContent>
+  <p:transition spd="slow">
+    <p:push dir="u"/>
+  </p:transition>
   <p:timing>
     <p:tnLst>
       <p:par>
@@ -4649,6 +4946,835 @@
   <p:clrMapOvr>
     <a:masterClrMapping/>
   </p:clrMapOvr>
+  <p:transition spd="slow">
+    <p:push dir="u"/>
+  </p:transition>
+  <p:timing>
+    <p:tnLst>
+      <p:par>
+        <p:cTn id="1" dur="indefinite" restart="never" nodeType="tmRoot">
+          <p:childTnLst>
+            <p:seq concurrent="1" nextAc="seek">
+              <p:cTn id="2" dur="indefinite" nodeType="mainSeq">
+                <p:childTnLst>
+                  <p:par>
+                    <p:cTn id="3" fill="hold">
+                      <p:stCondLst>
+                        <p:cond delay="indefinite"/>
+                      </p:stCondLst>
+                      <p:childTnLst>
+                        <p:par>
+                          <p:cTn id="4" fill="hold">
+                            <p:stCondLst>
+                              <p:cond delay="0"/>
+                            </p:stCondLst>
+                            <p:childTnLst>
+                              <p:par>
+                                <p:cTn id="5" presetID="10" presetClass="entr" presetSubtype="0" fill="hold" grpId="0" nodeType="clickEffect">
+                                  <p:stCondLst>
+                                    <p:cond delay="0"/>
+                                  </p:stCondLst>
+                                  <p:childTnLst>
+                                    <p:set>
+                                      <p:cBhvr>
+                                        <p:cTn id="6" dur="1" fill="hold">
+                                          <p:stCondLst>
+                                            <p:cond delay="0"/>
+                                          </p:stCondLst>
+                                        </p:cTn>
+                                        <p:tgtEl>
+                                          <p:spTgt spid="3">
+                                            <p:txEl>
+                                              <p:pRg st="0" end="0"/>
+                                            </p:txEl>
+                                          </p:spTgt>
+                                        </p:tgtEl>
+                                        <p:attrNameLst>
+                                          <p:attrName>style.visibility</p:attrName>
+                                        </p:attrNameLst>
+                                      </p:cBhvr>
+                                      <p:to>
+                                        <p:strVal val="visible"/>
+                                      </p:to>
+                                    </p:set>
+                                    <p:animEffect transition="in" filter="fade">
+                                      <p:cBhvr>
+                                        <p:cTn id="7" dur="500"/>
+                                        <p:tgtEl>
+                                          <p:spTgt spid="3">
+                                            <p:txEl>
+                                              <p:pRg st="0" end="0"/>
+                                            </p:txEl>
+                                          </p:spTgt>
+                                        </p:tgtEl>
+                                      </p:cBhvr>
+                                    </p:animEffect>
+                                  </p:childTnLst>
+                                </p:cTn>
+                              </p:par>
+                            </p:childTnLst>
+                          </p:cTn>
+                        </p:par>
+                      </p:childTnLst>
+                    </p:cTn>
+                  </p:par>
+                  <p:par>
+                    <p:cTn id="8" fill="hold">
+                      <p:stCondLst>
+                        <p:cond delay="indefinite"/>
+                      </p:stCondLst>
+                      <p:childTnLst>
+                        <p:par>
+                          <p:cTn id="9" fill="hold">
+                            <p:stCondLst>
+                              <p:cond delay="0"/>
+                            </p:stCondLst>
+                            <p:childTnLst>
+                              <p:par>
+                                <p:cTn id="10" presetID="10" presetClass="entr" presetSubtype="0" fill="hold" grpId="0" nodeType="clickEffect">
+                                  <p:stCondLst>
+                                    <p:cond delay="0"/>
+                                  </p:stCondLst>
+                                  <p:childTnLst>
+                                    <p:set>
+                                      <p:cBhvr>
+                                        <p:cTn id="11" dur="1" fill="hold">
+                                          <p:stCondLst>
+                                            <p:cond delay="0"/>
+                                          </p:stCondLst>
+                                        </p:cTn>
+                                        <p:tgtEl>
+                                          <p:spTgt spid="3">
+                                            <p:txEl>
+                                              <p:pRg st="1" end="1"/>
+                                            </p:txEl>
+                                          </p:spTgt>
+                                        </p:tgtEl>
+                                        <p:attrNameLst>
+                                          <p:attrName>style.visibility</p:attrName>
+                                        </p:attrNameLst>
+                                      </p:cBhvr>
+                                      <p:to>
+                                        <p:strVal val="visible"/>
+                                      </p:to>
+                                    </p:set>
+                                    <p:animEffect transition="in" filter="fade">
+                                      <p:cBhvr>
+                                        <p:cTn id="12" dur="500"/>
+                                        <p:tgtEl>
+                                          <p:spTgt spid="3">
+                                            <p:txEl>
+                                              <p:pRg st="1" end="1"/>
+                                            </p:txEl>
+                                          </p:spTgt>
+                                        </p:tgtEl>
+                                      </p:cBhvr>
+                                    </p:animEffect>
+                                  </p:childTnLst>
+                                </p:cTn>
+                              </p:par>
+                            </p:childTnLst>
+                          </p:cTn>
+                        </p:par>
+                      </p:childTnLst>
+                    </p:cTn>
+                  </p:par>
+                  <p:par>
+                    <p:cTn id="13" fill="hold">
+                      <p:stCondLst>
+                        <p:cond delay="indefinite"/>
+                      </p:stCondLst>
+                      <p:childTnLst>
+                        <p:par>
+                          <p:cTn id="14" fill="hold">
+                            <p:stCondLst>
+                              <p:cond delay="0"/>
+                            </p:stCondLst>
+                            <p:childTnLst>
+                              <p:par>
+                                <p:cTn id="15" presetID="10" presetClass="entr" presetSubtype="0" fill="hold" grpId="0" nodeType="clickEffect">
+                                  <p:stCondLst>
+                                    <p:cond delay="0"/>
+                                  </p:stCondLst>
+                                  <p:childTnLst>
+                                    <p:set>
+                                      <p:cBhvr>
+                                        <p:cTn id="16" dur="1" fill="hold">
+                                          <p:stCondLst>
+                                            <p:cond delay="0"/>
+                                          </p:stCondLst>
+                                        </p:cTn>
+                                        <p:tgtEl>
+                                          <p:spTgt spid="3">
+                                            <p:txEl>
+                                              <p:pRg st="2" end="2"/>
+                                            </p:txEl>
+                                          </p:spTgt>
+                                        </p:tgtEl>
+                                        <p:attrNameLst>
+                                          <p:attrName>style.visibility</p:attrName>
+                                        </p:attrNameLst>
+                                      </p:cBhvr>
+                                      <p:to>
+                                        <p:strVal val="visible"/>
+                                      </p:to>
+                                    </p:set>
+                                    <p:animEffect transition="in" filter="fade">
+                                      <p:cBhvr>
+                                        <p:cTn id="17" dur="500"/>
+                                        <p:tgtEl>
+                                          <p:spTgt spid="3">
+                                            <p:txEl>
+                                              <p:pRg st="2" end="2"/>
+                                            </p:txEl>
+                                          </p:spTgt>
+                                        </p:tgtEl>
+                                      </p:cBhvr>
+                                    </p:animEffect>
+                                  </p:childTnLst>
+                                </p:cTn>
+                              </p:par>
+                            </p:childTnLst>
+                          </p:cTn>
+                        </p:par>
+                      </p:childTnLst>
+                    </p:cTn>
+                  </p:par>
+                  <p:par>
+                    <p:cTn id="18" fill="hold">
+                      <p:stCondLst>
+                        <p:cond delay="indefinite"/>
+                      </p:stCondLst>
+                      <p:childTnLst>
+                        <p:par>
+                          <p:cTn id="19" fill="hold">
+                            <p:stCondLst>
+                              <p:cond delay="0"/>
+                            </p:stCondLst>
+                            <p:childTnLst>
+                              <p:par>
+                                <p:cTn id="20" presetID="10" presetClass="entr" presetSubtype="0" fill="hold" grpId="0" nodeType="clickEffect">
+                                  <p:stCondLst>
+                                    <p:cond delay="0"/>
+                                  </p:stCondLst>
+                                  <p:childTnLst>
+                                    <p:set>
+                                      <p:cBhvr>
+                                        <p:cTn id="21" dur="1" fill="hold">
+                                          <p:stCondLst>
+                                            <p:cond delay="0"/>
+                                          </p:stCondLst>
+                                        </p:cTn>
+                                        <p:tgtEl>
+                                          <p:spTgt spid="3">
+                                            <p:txEl>
+                                              <p:pRg st="3" end="3"/>
+                                            </p:txEl>
+                                          </p:spTgt>
+                                        </p:tgtEl>
+                                        <p:attrNameLst>
+                                          <p:attrName>style.visibility</p:attrName>
+                                        </p:attrNameLst>
+                                      </p:cBhvr>
+                                      <p:to>
+                                        <p:strVal val="visible"/>
+                                      </p:to>
+                                    </p:set>
+                                    <p:animEffect transition="in" filter="fade">
+                                      <p:cBhvr>
+                                        <p:cTn id="22" dur="500"/>
+                                        <p:tgtEl>
+                                          <p:spTgt spid="3">
+                                            <p:txEl>
+                                              <p:pRg st="3" end="3"/>
+                                            </p:txEl>
+                                          </p:spTgt>
+                                        </p:tgtEl>
+                                      </p:cBhvr>
+                                    </p:animEffect>
+                                  </p:childTnLst>
+                                </p:cTn>
+                              </p:par>
+                            </p:childTnLst>
+                          </p:cTn>
+                        </p:par>
+                      </p:childTnLst>
+                    </p:cTn>
+                  </p:par>
+                  <p:par>
+                    <p:cTn id="23" fill="hold">
+                      <p:stCondLst>
+                        <p:cond delay="indefinite"/>
+                      </p:stCondLst>
+                      <p:childTnLst>
+                        <p:par>
+                          <p:cTn id="24" fill="hold">
+                            <p:stCondLst>
+                              <p:cond delay="0"/>
+                            </p:stCondLst>
+                            <p:childTnLst>
+                              <p:par>
+                                <p:cTn id="25" presetID="10" presetClass="entr" presetSubtype="0" fill="hold" grpId="0" nodeType="clickEffect">
+                                  <p:stCondLst>
+                                    <p:cond delay="0"/>
+                                  </p:stCondLst>
+                                  <p:childTnLst>
+                                    <p:set>
+                                      <p:cBhvr>
+                                        <p:cTn id="26" dur="1" fill="hold">
+                                          <p:stCondLst>
+                                            <p:cond delay="0"/>
+                                          </p:stCondLst>
+                                        </p:cTn>
+                                        <p:tgtEl>
+                                          <p:spTgt spid="3">
+                                            <p:txEl>
+                                              <p:pRg st="4" end="4"/>
+                                            </p:txEl>
+                                          </p:spTgt>
+                                        </p:tgtEl>
+                                        <p:attrNameLst>
+                                          <p:attrName>style.visibility</p:attrName>
+                                        </p:attrNameLst>
+                                      </p:cBhvr>
+                                      <p:to>
+                                        <p:strVal val="visible"/>
+                                      </p:to>
+                                    </p:set>
+                                    <p:animEffect transition="in" filter="fade">
+                                      <p:cBhvr>
+                                        <p:cTn id="27" dur="500"/>
+                                        <p:tgtEl>
+                                          <p:spTgt spid="3">
+                                            <p:txEl>
+                                              <p:pRg st="4" end="4"/>
+                                            </p:txEl>
+                                          </p:spTgt>
+                                        </p:tgtEl>
+                                      </p:cBhvr>
+                                    </p:animEffect>
+                                  </p:childTnLst>
+                                </p:cTn>
+                              </p:par>
+                            </p:childTnLst>
+                          </p:cTn>
+                        </p:par>
+                      </p:childTnLst>
+                    </p:cTn>
+                  </p:par>
+                  <p:par>
+                    <p:cTn id="28" fill="hold">
+                      <p:stCondLst>
+                        <p:cond delay="indefinite"/>
+                      </p:stCondLst>
+                      <p:childTnLst>
+                        <p:par>
+                          <p:cTn id="29" fill="hold">
+                            <p:stCondLst>
+                              <p:cond delay="0"/>
+                            </p:stCondLst>
+                            <p:childTnLst>
+                              <p:par>
+                                <p:cTn id="30" presetID="10" presetClass="entr" presetSubtype="0" fill="hold" grpId="0" nodeType="clickEffect">
+                                  <p:stCondLst>
+                                    <p:cond delay="0"/>
+                                  </p:stCondLst>
+                                  <p:childTnLst>
+                                    <p:set>
+                                      <p:cBhvr>
+                                        <p:cTn id="31" dur="1" fill="hold">
+                                          <p:stCondLst>
+                                            <p:cond delay="0"/>
+                                          </p:stCondLst>
+                                        </p:cTn>
+                                        <p:tgtEl>
+                                          <p:spTgt spid="3">
+                                            <p:txEl>
+                                              <p:pRg st="5" end="5"/>
+                                            </p:txEl>
+                                          </p:spTgt>
+                                        </p:tgtEl>
+                                        <p:attrNameLst>
+                                          <p:attrName>style.visibility</p:attrName>
+                                        </p:attrNameLst>
+                                      </p:cBhvr>
+                                      <p:to>
+                                        <p:strVal val="visible"/>
+                                      </p:to>
+                                    </p:set>
+                                    <p:animEffect transition="in" filter="fade">
+                                      <p:cBhvr>
+                                        <p:cTn id="32" dur="500"/>
+                                        <p:tgtEl>
+                                          <p:spTgt spid="3">
+                                            <p:txEl>
+                                              <p:pRg st="5" end="5"/>
+                                            </p:txEl>
+                                          </p:spTgt>
+                                        </p:tgtEl>
+                                      </p:cBhvr>
+                                    </p:animEffect>
+                                  </p:childTnLst>
+                                </p:cTn>
+                              </p:par>
+                            </p:childTnLst>
+                          </p:cTn>
+                        </p:par>
+                      </p:childTnLst>
+                    </p:cTn>
+                  </p:par>
+                  <p:par>
+                    <p:cTn id="33" fill="hold">
+                      <p:stCondLst>
+                        <p:cond delay="indefinite"/>
+                      </p:stCondLst>
+                      <p:childTnLst>
+                        <p:par>
+                          <p:cTn id="34" fill="hold">
+                            <p:stCondLst>
+                              <p:cond delay="0"/>
+                            </p:stCondLst>
+                            <p:childTnLst>
+                              <p:par>
+                                <p:cTn id="35" presetID="10" presetClass="entr" presetSubtype="0" fill="hold" grpId="0" nodeType="clickEffect">
+                                  <p:stCondLst>
+                                    <p:cond delay="0"/>
+                                  </p:stCondLst>
+                                  <p:childTnLst>
+                                    <p:set>
+                                      <p:cBhvr>
+                                        <p:cTn id="36" dur="1" fill="hold">
+                                          <p:stCondLst>
+                                            <p:cond delay="0"/>
+                                          </p:stCondLst>
+                                        </p:cTn>
+                                        <p:tgtEl>
+                                          <p:spTgt spid="3">
+                                            <p:txEl>
+                                              <p:pRg st="6" end="6"/>
+                                            </p:txEl>
+                                          </p:spTgt>
+                                        </p:tgtEl>
+                                        <p:attrNameLst>
+                                          <p:attrName>style.visibility</p:attrName>
+                                        </p:attrNameLst>
+                                      </p:cBhvr>
+                                      <p:to>
+                                        <p:strVal val="visible"/>
+                                      </p:to>
+                                    </p:set>
+                                    <p:animEffect transition="in" filter="fade">
+                                      <p:cBhvr>
+                                        <p:cTn id="37" dur="500"/>
+                                        <p:tgtEl>
+                                          <p:spTgt spid="3">
+                                            <p:txEl>
+                                              <p:pRg st="6" end="6"/>
+                                            </p:txEl>
+                                          </p:spTgt>
+                                        </p:tgtEl>
+                                      </p:cBhvr>
+                                    </p:animEffect>
+                                  </p:childTnLst>
+                                </p:cTn>
+                              </p:par>
+                            </p:childTnLst>
+                          </p:cTn>
+                        </p:par>
+                      </p:childTnLst>
+                    </p:cTn>
+                  </p:par>
+                  <p:par>
+                    <p:cTn id="38" fill="hold">
+                      <p:stCondLst>
+                        <p:cond delay="indefinite"/>
+                      </p:stCondLst>
+                      <p:childTnLst>
+                        <p:par>
+                          <p:cTn id="39" fill="hold">
+                            <p:stCondLst>
+                              <p:cond delay="0"/>
+                            </p:stCondLst>
+                            <p:childTnLst>
+                              <p:par>
+                                <p:cTn id="40" presetID="10" presetClass="entr" presetSubtype="0" fill="hold" grpId="0" nodeType="clickEffect">
+                                  <p:stCondLst>
+                                    <p:cond delay="0"/>
+                                  </p:stCondLst>
+                                  <p:childTnLst>
+                                    <p:set>
+                                      <p:cBhvr>
+                                        <p:cTn id="41" dur="1" fill="hold">
+                                          <p:stCondLst>
+                                            <p:cond delay="0"/>
+                                          </p:stCondLst>
+                                        </p:cTn>
+                                        <p:tgtEl>
+                                          <p:spTgt spid="3">
+                                            <p:txEl>
+                                              <p:pRg st="7" end="7"/>
+                                            </p:txEl>
+                                          </p:spTgt>
+                                        </p:tgtEl>
+                                        <p:attrNameLst>
+                                          <p:attrName>style.visibility</p:attrName>
+                                        </p:attrNameLst>
+                                      </p:cBhvr>
+                                      <p:to>
+                                        <p:strVal val="visible"/>
+                                      </p:to>
+                                    </p:set>
+                                    <p:animEffect transition="in" filter="fade">
+                                      <p:cBhvr>
+                                        <p:cTn id="42" dur="500"/>
+                                        <p:tgtEl>
+                                          <p:spTgt spid="3">
+                                            <p:txEl>
+                                              <p:pRg st="7" end="7"/>
+                                            </p:txEl>
+                                          </p:spTgt>
+                                        </p:tgtEl>
+                                      </p:cBhvr>
+                                    </p:animEffect>
+                                  </p:childTnLst>
+                                </p:cTn>
+                              </p:par>
+                            </p:childTnLst>
+                          </p:cTn>
+                        </p:par>
+                      </p:childTnLst>
+                    </p:cTn>
+                  </p:par>
+                  <p:par>
+                    <p:cTn id="43" fill="hold">
+                      <p:stCondLst>
+                        <p:cond delay="indefinite"/>
+                      </p:stCondLst>
+                      <p:childTnLst>
+                        <p:par>
+                          <p:cTn id="44" fill="hold">
+                            <p:stCondLst>
+                              <p:cond delay="0"/>
+                            </p:stCondLst>
+                            <p:childTnLst>
+                              <p:par>
+                                <p:cTn id="45" presetID="10" presetClass="entr" presetSubtype="0" fill="hold" grpId="0" nodeType="clickEffect">
+                                  <p:stCondLst>
+                                    <p:cond delay="0"/>
+                                  </p:stCondLst>
+                                  <p:childTnLst>
+                                    <p:set>
+                                      <p:cBhvr>
+                                        <p:cTn id="46" dur="1" fill="hold">
+                                          <p:stCondLst>
+                                            <p:cond delay="0"/>
+                                          </p:stCondLst>
+                                        </p:cTn>
+                                        <p:tgtEl>
+                                          <p:spTgt spid="3">
+                                            <p:txEl>
+                                              <p:pRg st="8" end="8"/>
+                                            </p:txEl>
+                                          </p:spTgt>
+                                        </p:tgtEl>
+                                        <p:attrNameLst>
+                                          <p:attrName>style.visibility</p:attrName>
+                                        </p:attrNameLst>
+                                      </p:cBhvr>
+                                      <p:to>
+                                        <p:strVal val="visible"/>
+                                      </p:to>
+                                    </p:set>
+                                    <p:animEffect transition="in" filter="fade">
+                                      <p:cBhvr>
+                                        <p:cTn id="47" dur="500"/>
+                                        <p:tgtEl>
+                                          <p:spTgt spid="3">
+                                            <p:txEl>
+                                              <p:pRg st="8" end="8"/>
+                                            </p:txEl>
+                                          </p:spTgt>
+                                        </p:tgtEl>
+                                      </p:cBhvr>
+                                    </p:animEffect>
+                                  </p:childTnLst>
+                                </p:cTn>
+                              </p:par>
+                            </p:childTnLst>
+                          </p:cTn>
+                        </p:par>
+                      </p:childTnLst>
+                    </p:cTn>
+                  </p:par>
+                  <p:par>
+                    <p:cTn id="48" fill="hold">
+                      <p:stCondLst>
+                        <p:cond delay="indefinite"/>
+                      </p:stCondLst>
+                      <p:childTnLst>
+                        <p:par>
+                          <p:cTn id="49" fill="hold">
+                            <p:stCondLst>
+                              <p:cond delay="0"/>
+                            </p:stCondLst>
+                            <p:childTnLst>
+                              <p:par>
+                                <p:cTn id="50" presetID="10" presetClass="entr" presetSubtype="0" fill="hold" grpId="0" nodeType="clickEffect">
+                                  <p:stCondLst>
+                                    <p:cond delay="0"/>
+                                  </p:stCondLst>
+                                  <p:childTnLst>
+                                    <p:set>
+                                      <p:cBhvr>
+                                        <p:cTn id="51" dur="1" fill="hold">
+                                          <p:stCondLst>
+                                            <p:cond delay="0"/>
+                                          </p:stCondLst>
+                                        </p:cTn>
+                                        <p:tgtEl>
+                                          <p:spTgt spid="3">
+                                            <p:txEl>
+                                              <p:pRg st="9" end="9"/>
+                                            </p:txEl>
+                                          </p:spTgt>
+                                        </p:tgtEl>
+                                        <p:attrNameLst>
+                                          <p:attrName>style.visibility</p:attrName>
+                                        </p:attrNameLst>
+                                      </p:cBhvr>
+                                      <p:to>
+                                        <p:strVal val="visible"/>
+                                      </p:to>
+                                    </p:set>
+                                    <p:animEffect transition="in" filter="fade">
+                                      <p:cBhvr>
+                                        <p:cTn id="52" dur="500"/>
+                                        <p:tgtEl>
+                                          <p:spTgt spid="3">
+                                            <p:txEl>
+                                              <p:pRg st="9" end="9"/>
+                                            </p:txEl>
+                                          </p:spTgt>
+                                        </p:tgtEl>
+                                      </p:cBhvr>
+                                    </p:animEffect>
+                                  </p:childTnLst>
+                                </p:cTn>
+                              </p:par>
+                            </p:childTnLst>
+                          </p:cTn>
+                        </p:par>
+                      </p:childTnLst>
+                    </p:cTn>
+                  </p:par>
+                  <p:par>
+                    <p:cTn id="53" fill="hold">
+                      <p:stCondLst>
+                        <p:cond delay="indefinite"/>
+                      </p:stCondLst>
+                      <p:childTnLst>
+                        <p:par>
+                          <p:cTn id="54" fill="hold">
+                            <p:stCondLst>
+                              <p:cond delay="0"/>
+                            </p:stCondLst>
+                            <p:childTnLst>
+                              <p:par>
+                                <p:cTn id="55" presetID="10" presetClass="entr" presetSubtype="0" fill="hold" grpId="0" nodeType="clickEffect">
+                                  <p:stCondLst>
+                                    <p:cond delay="0"/>
+                                  </p:stCondLst>
+                                  <p:childTnLst>
+                                    <p:set>
+                                      <p:cBhvr>
+                                        <p:cTn id="56" dur="1" fill="hold">
+                                          <p:stCondLst>
+                                            <p:cond delay="0"/>
+                                          </p:stCondLst>
+                                        </p:cTn>
+                                        <p:tgtEl>
+                                          <p:spTgt spid="3">
+                                            <p:txEl>
+                                              <p:pRg st="10" end="10"/>
+                                            </p:txEl>
+                                          </p:spTgt>
+                                        </p:tgtEl>
+                                        <p:attrNameLst>
+                                          <p:attrName>style.visibility</p:attrName>
+                                        </p:attrNameLst>
+                                      </p:cBhvr>
+                                      <p:to>
+                                        <p:strVal val="visible"/>
+                                      </p:to>
+                                    </p:set>
+                                    <p:animEffect transition="in" filter="fade">
+                                      <p:cBhvr>
+                                        <p:cTn id="57" dur="500"/>
+                                        <p:tgtEl>
+                                          <p:spTgt spid="3">
+                                            <p:txEl>
+                                              <p:pRg st="10" end="10"/>
+                                            </p:txEl>
+                                          </p:spTgt>
+                                        </p:tgtEl>
+                                      </p:cBhvr>
+                                    </p:animEffect>
+                                  </p:childTnLst>
+                                </p:cTn>
+                              </p:par>
+                            </p:childTnLst>
+                          </p:cTn>
+                        </p:par>
+                      </p:childTnLst>
+                    </p:cTn>
+                  </p:par>
+                  <p:par>
+                    <p:cTn id="58" fill="hold">
+                      <p:stCondLst>
+                        <p:cond delay="indefinite"/>
+                      </p:stCondLst>
+                      <p:childTnLst>
+                        <p:par>
+                          <p:cTn id="59" fill="hold">
+                            <p:stCondLst>
+                              <p:cond delay="0"/>
+                            </p:stCondLst>
+                            <p:childTnLst>
+                              <p:par>
+                                <p:cTn id="60" presetID="10" presetClass="entr" presetSubtype="0" fill="hold" grpId="0" nodeType="clickEffect">
+                                  <p:stCondLst>
+                                    <p:cond delay="0"/>
+                                  </p:stCondLst>
+                                  <p:childTnLst>
+                                    <p:set>
+                                      <p:cBhvr>
+                                        <p:cTn id="61" dur="1" fill="hold">
+                                          <p:stCondLst>
+                                            <p:cond delay="0"/>
+                                          </p:stCondLst>
+                                        </p:cTn>
+                                        <p:tgtEl>
+                                          <p:spTgt spid="3">
+                                            <p:txEl>
+                                              <p:pRg st="11" end="11"/>
+                                            </p:txEl>
+                                          </p:spTgt>
+                                        </p:tgtEl>
+                                        <p:attrNameLst>
+                                          <p:attrName>style.visibility</p:attrName>
+                                        </p:attrNameLst>
+                                      </p:cBhvr>
+                                      <p:to>
+                                        <p:strVal val="visible"/>
+                                      </p:to>
+                                    </p:set>
+                                    <p:animEffect transition="in" filter="fade">
+                                      <p:cBhvr>
+                                        <p:cTn id="62" dur="500"/>
+                                        <p:tgtEl>
+                                          <p:spTgt spid="3">
+                                            <p:txEl>
+                                              <p:pRg st="11" end="11"/>
+                                            </p:txEl>
+                                          </p:spTgt>
+                                        </p:tgtEl>
+                                      </p:cBhvr>
+                                    </p:animEffect>
+                                  </p:childTnLst>
+                                </p:cTn>
+                              </p:par>
+                            </p:childTnLst>
+                          </p:cTn>
+                        </p:par>
+                      </p:childTnLst>
+                    </p:cTn>
+                  </p:par>
+                  <p:par>
+                    <p:cTn id="63" fill="hold">
+                      <p:stCondLst>
+                        <p:cond delay="indefinite"/>
+                      </p:stCondLst>
+                      <p:childTnLst>
+                        <p:par>
+                          <p:cTn id="64" fill="hold">
+                            <p:stCondLst>
+                              <p:cond delay="0"/>
+                            </p:stCondLst>
+                            <p:childTnLst>
+                              <p:par>
+                                <p:cTn id="65" presetID="10" presetClass="entr" presetSubtype="0" fill="hold" grpId="0" nodeType="clickEffect">
+                                  <p:stCondLst>
+                                    <p:cond delay="0"/>
+                                  </p:stCondLst>
+                                  <p:childTnLst>
+                                    <p:set>
+                                      <p:cBhvr>
+                                        <p:cTn id="66" dur="1" fill="hold">
+                                          <p:stCondLst>
+                                            <p:cond delay="0"/>
+                                          </p:stCondLst>
+                                        </p:cTn>
+                                        <p:tgtEl>
+                                          <p:spTgt spid="3">
+                                            <p:txEl>
+                                              <p:pRg st="12" end="12"/>
+                                            </p:txEl>
+                                          </p:spTgt>
+                                        </p:tgtEl>
+                                        <p:attrNameLst>
+                                          <p:attrName>style.visibility</p:attrName>
+                                        </p:attrNameLst>
+                                      </p:cBhvr>
+                                      <p:to>
+                                        <p:strVal val="visible"/>
+                                      </p:to>
+                                    </p:set>
+                                    <p:animEffect transition="in" filter="fade">
+                                      <p:cBhvr>
+                                        <p:cTn id="67" dur="500"/>
+                                        <p:tgtEl>
+                                          <p:spTgt spid="3">
+                                            <p:txEl>
+                                              <p:pRg st="12" end="12"/>
+                                            </p:txEl>
+                                          </p:spTgt>
+                                        </p:tgtEl>
+                                      </p:cBhvr>
+                                    </p:animEffect>
+                                  </p:childTnLst>
+                                </p:cTn>
+                              </p:par>
+                            </p:childTnLst>
+                          </p:cTn>
+                        </p:par>
+                      </p:childTnLst>
+                    </p:cTn>
+                  </p:par>
+                </p:childTnLst>
+              </p:cTn>
+              <p:prevCondLst>
+                <p:cond evt="onPrev" delay="0">
+                  <p:tgtEl>
+                    <p:sldTgt/>
+                  </p:tgtEl>
+                </p:cond>
+              </p:prevCondLst>
+              <p:nextCondLst>
+                <p:cond evt="onNext" delay="0">
+                  <p:tgtEl>
+                    <p:sldTgt/>
+                  </p:tgtEl>
+                </p:cond>
+              </p:nextCondLst>
+            </p:seq>
+          </p:childTnLst>
+        </p:cTn>
+      </p:par>
+    </p:tnLst>
+    <p:bldLst>
+      <p:bldP spid="3" grpId="0" uiExpand="1" build="p"/>
+    </p:bldLst>
+  </p:timing>
 </p:sld>
 </file>
 
@@ -4831,6 +5957,408 @@
   <p:clrMapOvr>
     <a:masterClrMapping/>
   </p:clrMapOvr>
+  <p:transition spd="slow">
+    <p:push dir="u"/>
+  </p:transition>
+  <p:timing>
+    <p:tnLst>
+      <p:par>
+        <p:cTn id="1" dur="indefinite" restart="never" nodeType="tmRoot">
+          <p:childTnLst>
+            <p:seq concurrent="1" nextAc="seek">
+              <p:cTn id="2" dur="indefinite" nodeType="mainSeq">
+                <p:childTnLst>
+                  <p:par>
+                    <p:cTn id="3" fill="hold">
+                      <p:stCondLst>
+                        <p:cond delay="indefinite"/>
+                      </p:stCondLst>
+                      <p:childTnLst>
+                        <p:par>
+                          <p:cTn id="4" fill="hold">
+                            <p:stCondLst>
+                              <p:cond delay="0"/>
+                            </p:stCondLst>
+                            <p:childTnLst>
+                              <p:par>
+                                <p:cTn id="5" presetID="10" presetClass="entr" presetSubtype="0" fill="hold" grpId="0" nodeType="clickEffect">
+                                  <p:stCondLst>
+                                    <p:cond delay="0"/>
+                                  </p:stCondLst>
+                                  <p:childTnLst>
+                                    <p:set>
+                                      <p:cBhvr>
+                                        <p:cTn id="6" dur="1" fill="hold">
+                                          <p:stCondLst>
+                                            <p:cond delay="0"/>
+                                          </p:stCondLst>
+                                        </p:cTn>
+                                        <p:tgtEl>
+                                          <p:spTgt spid="3">
+                                            <p:txEl>
+                                              <p:pRg st="0" end="0"/>
+                                            </p:txEl>
+                                          </p:spTgt>
+                                        </p:tgtEl>
+                                        <p:attrNameLst>
+                                          <p:attrName>style.visibility</p:attrName>
+                                        </p:attrNameLst>
+                                      </p:cBhvr>
+                                      <p:to>
+                                        <p:strVal val="visible"/>
+                                      </p:to>
+                                    </p:set>
+                                    <p:animEffect transition="in" filter="fade">
+                                      <p:cBhvr>
+                                        <p:cTn id="7" dur="500"/>
+                                        <p:tgtEl>
+                                          <p:spTgt spid="3">
+                                            <p:txEl>
+                                              <p:pRg st="0" end="0"/>
+                                            </p:txEl>
+                                          </p:spTgt>
+                                        </p:tgtEl>
+                                      </p:cBhvr>
+                                    </p:animEffect>
+                                  </p:childTnLst>
+                                </p:cTn>
+                              </p:par>
+                            </p:childTnLst>
+                          </p:cTn>
+                        </p:par>
+                      </p:childTnLst>
+                    </p:cTn>
+                  </p:par>
+                  <p:par>
+                    <p:cTn id="8" fill="hold">
+                      <p:stCondLst>
+                        <p:cond delay="indefinite"/>
+                      </p:stCondLst>
+                      <p:childTnLst>
+                        <p:par>
+                          <p:cTn id="9" fill="hold">
+                            <p:stCondLst>
+                              <p:cond delay="0"/>
+                            </p:stCondLst>
+                            <p:childTnLst>
+                              <p:par>
+                                <p:cTn id="10" presetID="10" presetClass="entr" presetSubtype="0" fill="hold" grpId="0" nodeType="clickEffect">
+                                  <p:stCondLst>
+                                    <p:cond delay="0"/>
+                                  </p:stCondLst>
+                                  <p:childTnLst>
+                                    <p:set>
+                                      <p:cBhvr>
+                                        <p:cTn id="11" dur="1" fill="hold">
+                                          <p:stCondLst>
+                                            <p:cond delay="0"/>
+                                          </p:stCondLst>
+                                        </p:cTn>
+                                        <p:tgtEl>
+                                          <p:spTgt spid="3">
+                                            <p:txEl>
+                                              <p:pRg st="1" end="1"/>
+                                            </p:txEl>
+                                          </p:spTgt>
+                                        </p:tgtEl>
+                                        <p:attrNameLst>
+                                          <p:attrName>style.visibility</p:attrName>
+                                        </p:attrNameLst>
+                                      </p:cBhvr>
+                                      <p:to>
+                                        <p:strVal val="visible"/>
+                                      </p:to>
+                                    </p:set>
+                                    <p:animEffect transition="in" filter="fade">
+                                      <p:cBhvr>
+                                        <p:cTn id="12" dur="500"/>
+                                        <p:tgtEl>
+                                          <p:spTgt spid="3">
+                                            <p:txEl>
+                                              <p:pRg st="1" end="1"/>
+                                            </p:txEl>
+                                          </p:spTgt>
+                                        </p:tgtEl>
+                                      </p:cBhvr>
+                                    </p:animEffect>
+                                  </p:childTnLst>
+                                </p:cTn>
+                              </p:par>
+                            </p:childTnLst>
+                          </p:cTn>
+                        </p:par>
+                      </p:childTnLst>
+                    </p:cTn>
+                  </p:par>
+                  <p:par>
+                    <p:cTn id="13" fill="hold">
+                      <p:stCondLst>
+                        <p:cond delay="indefinite"/>
+                      </p:stCondLst>
+                      <p:childTnLst>
+                        <p:par>
+                          <p:cTn id="14" fill="hold">
+                            <p:stCondLst>
+                              <p:cond delay="0"/>
+                            </p:stCondLst>
+                            <p:childTnLst>
+                              <p:par>
+                                <p:cTn id="15" presetID="10" presetClass="entr" presetSubtype="0" fill="hold" grpId="0" nodeType="clickEffect">
+                                  <p:stCondLst>
+                                    <p:cond delay="0"/>
+                                  </p:stCondLst>
+                                  <p:childTnLst>
+                                    <p:set>
+                                      <p:cBhvr>
+                                        <p:cTn id="16" dur="1" fill="hold">
+                                          <p:stCondLst>
+                                            <p:cond delay="0"/>
+                                          </p:stCondLst>
+                                        </p:cTn>
+                                        <p:tgtEl>
+                                          <p:spTgt spid="3">
+                                            <p:txEl>
+                                              <p:pRg st="2" end="2"/>
+                                            </p:txEl>
+                                          </p:spTgt>
+                                        </p:tgtEl>
+                                        <p:attrNameLst>
+                                          <p:attrName>style.visibility</p:attrName>
+                                        </p:attrNameLst>
+                                      </p:cBhvr>
+                                      <p:to>
+                                        <p:strVal val="visible"/>
+                                      </p:to>
+                                    </p:set>
+                                    <p:animEffect transition="in" filter="fade">
+                                      <p:cBhvr>
+                                        <p:cTn id="17" dur="500"/>
+                                        <p:tgtEl>
+                                          <p:spTgt spid="3">
+                                            <p:txEl>
+                                              <p:pRg st="2" end="2"/>
+                                            </p:txEl>
+                                          </p:spTgt>
+                                        </p:tgtEl>
+                                      </p:cBhvr>
+                                    </p:animEffect>
+                                  </p:childTnLst>
+                                </p:cTn>
+                              </p:par>
+                            </p:childTnLst>
+                          </p:cTn>
+                        </p:par>
+                      </p:childTnLst>
+                    </p:cTn>
+                  </p:par>
+                  <p:par>
+                    <p:cTn id="18" fill="hold">
+                      <p:stCondLst>
+                        <p:cond delay="indefinite"/>
+                      </p:stCondLst>
+                      <p:childTnLst>
+                        <p:par>
+                          <p:cTn id="19" fill="hold">
+                            <p:stCondLst>
+                              <p:cond delay="0"/>
+                            </p:stCondLst>
+                            <p:childTnLst>
+                              <p:par>
+                                <p:cTn id="20" presetID="10" presetClass="entr" presetSubtype="0" fill="hold" grpId="0" nodeType="clickEffect">
+                                  <p:stCondLst>
+                                    <p:cond delay="0"/>
+                                  </p:stCondLst>
+                                  <p:childTnLst>
+                                    <p:set>
+                                      <p:cBhvr>
+                                        <p:cTn id="21" dur="1" fill="hold">
+                                          <p:stCondLst>
+                                            <p:cond delay="0"/>
+                                          </p:stCondLst>
+                                        </p:cTn>
+                                        <p:tgtEl>
+                                          <p:spTgt spid="3">
+                                            <p:txEl>
+                                              <p:pRg st="3" end="3"/>
+                                            </p:txEl>
+                                          </p:spTgt>
+                                        </p:tgtEl>
+                                        <p:attrNameLst>
+                                          <p:attrName>style.visibility</p:attrName>
+                                        </p:attrNameLst>
+                                      </p:cBhvr>
+                                      <p:to>
+                                        <p:strVal val="visible"/>
+                                      </p:to>
+                                    </p:set>
+                                    <p:animEffect transition="in" filter="fade">
+                                      <p:cBhvr>
+                                        <p:cTn id="22" dur="500"/>
+                                        <p:tgtEl>
+                                          <p:spTgt spid="3">
+                                            <p:txEl>
+                                              <p:pRg st="3" end="3"/>
+                                            </p:txEl>
+                                          </p:spTgt>
+                                        </p:tgtEl>
+                                      </p:cBhvr>
+                                    </p:animEffect>
+                                  </p:childTnLst>
+                                </p:cTn>
+                              </p:par>
+                            </p:childTnLst>
+                          </p:cTn>
+                        </p:par>
+                      </p:childTnLst>
+                    </p:cTn>
+                  </p:par>
+                  <p:par>
+                    <p:cTn id="23" fill="hold">
+                      <p:stCondLst>
+                        <p:cond delay="indefinite"/>
+                      </p:stCondLst>
+                      <p:childTnLst>
+                        <p:par>
+                          <p:cTn id="24" fill="hold">
+                            <p:stCondLst>
+                              <p:cond delay="0"/>
+                            </p:stCondLst>
+                            <p:childTnLst>
+                              <p:par>
+                                <p:cTn id="25" presetID="10" presetClass="entr" presetSubtype="0" fill="hold" grpId="0" nodeType="clickEffect">
+                                  <p:stCondLst>
+                                    <p:cond delay="0"/>
+                                  </p:stCondLst>
+                                  <p:childTnLst>
+                                    <p:set>
+                                      <p:cBhvr>
+                                        <p:cTn id="26" dur="1" fill="hold">
+                                          <p:stCondLst>
+                                            <p:cond delay="0"/>
+                                          </p:stCondLst>
+                                        </p:cTn>
+                                        <p:tgtEl>
+                                          <p:spTgt spid="3">
+                                            <p:txEl>
+                                              <p:pRg st="4" end="4"/>
+                                            </p:txEl>
+                                          </p:spTgt>
+                                        </p:tgtEl>
+                                        <p:attrNameLst>
+                                          <p:attrName>style.visibility</p:attrName>
+                                        </p:attrNameLst>
+                                      </p:cBhvr>
+                                      <p:to>
+                                        <p:strVal val="visible"/>
+                                      </p:to>
+                                    </p:set>
+                                    <p:animEffect transition="in" filter="fade">
+                                      <p:cBhvr>
+                                        <p:cTn id="27" dur="500"/>
+                                        <p:tgtEl>
+                                          <p:spTgt spid="3">
+                                            <p:txEl>
+                                              <p:pRg st="4" end="4"/>
+                                            </p:txEl>
+                                          </p:spTgt>
+                                        </p:tgtEl>
+                                      </p:cBhvr>
+                                    </p:animEffect>
+                                  </p:childTnLst>
+                                </p:cTn>
+                              </p:par>
+                            </p:childTnLst>
+                          </p:cTn>
+                        </p:par>
+                      </p:childTnLst>
+                    </p:cTn>
+                  </p:par>
+                  <p:par>
+                    <p:cTn id="28" fill="hold">
+                      <p:stCondLst>
+                        <p:cond delay="indefinite"/>
+                      </p:stCondLst>
+                      <p:childTnLst>
+                        <p:par>
+                          <p:cTn id="29" fill="hold">
+                            <p:stCondLst>
+                              <p:cond delay="0"/>
+                            </p:stCondLst>
+                            <p:childTnLst>
+                              <p:par>
+                                <p:cTn id="30" presetID="10" presetClass="entr" presetSubtype="0" fill="hold" grpId="0" nodeType="clickEffect">
+                                  <p:stCondLst>
+                                    <p:cond delay="0"/>
+                                  </p:stCondLst>
+                                  <p:childTnLst>
+                                    <p:set>
+                                      <p:cBhvr>
+                                        <p:cTn id="31" dur="1" fill="hold">
+                                          <p:stCondLst>
+                                            <p:cond delay="0"/>
+                                          </p:stCondLst>
+                                        </p:cTn>
+                                        <p:tgtEl>
+                                          <p:spTgt spid="3">
+                                            <p:txEl>
+                                              <p:pRg st="5" end="5"/>
+                                            </p:txEl>
+                                          </p:spTgt>
+                                        </p:tgtEl>
+                                        <p:attrNameLst>
+                                          <p:attrName>style.visibility</p:attrName>
+                                        </p:attrNameLst>
+                                      </p:cBhvr>
+                                      <p:to>
+                                        <p:strVal val="visible"/>
+                                      </p:to>
+                                    </p:set>
+                                    <p:animEffect transition="in" filter="fade">
+                                      <p:cBhvr>
+                                        <p:cTn id="32" dur="500"/>
+                                        <p:tgtEl>
+                                          <p:spTgt spid="3">
+                                            <p:txEl>
+                                              <p:pRg st="5" end="5"/>
+                                            </p:txEl>
+                                          </p:spTgt>
+                                        </p:tgtEl>
+                                      </p:cBhvr>
+                                    </p:animEffect>
+                                  </p:childTnLst>
+                                </p:cTn>
+                              </p:par>
+                            </p:childTnLst>
+                          </p:cTn>
+                        </p:par>
+                      </p:childTnLst>
+                    </p:cTn>
+                  </p:par>
+                </p:childTnLst>
+              </p:cTn>
+              <p:prevCondLst>
+                <p:cond evt="onPrev" delay="0">
+                  <p:tgtEl>
+                    <p:sldTgt/>
+                  </p:tgtEl>
+                </p:cond>
+              </p:prevCondLst>
+              <p:nextCondLst>
+                <p:cond evt="onNext" delay="0">
+                  <p:tgtEl>
+                    <p:sldTgt/>
+                  </p:tgtEl>
+                </p:cond>
+              </p:nextCondLst>
+            </p:seq>
+          </p:childTnLst>
+        </p:cTn>
+      </p:par>
+    </p:tnLst>
+    <p:bldLst>
+      <p:bldP spid="3" grpId="0" uiExpand="1" build="p"/>
+    </p:bldLst>
+  </p:timing>
 </p:sld>
 </file>
 
@@ -4897,7 +6425,15 @@
           <a:p>
             <a:r>
               <a:rPr lang="zh-CN" altLang="en-US" dirty="0"/>
-              <a:t>性能测试</a:t>
+              <a:t>性能</a:t>
+            </a:r>
+            <a:r>
+              <a:rPr lang="zh-CN" altLang="en-US" dirty="0" smtClean="0"/>
+              <a:t>测试</a:t>
+            </a:r>
+            <a:r>
+              <a:rPr lang="en-US" altLang="zh-CN" dirty="0" smtClean="0"/>
+              <a:t>	</a:t>
             </a:r>
             <a:endParaRPr lang="en-US" altLang="zh-CN" dirty="0"/>
           </a:p>
@@ -5091,6 +6627,713 @@
   <p:clrMapOvr>
     <a:masterClrMapping/>
   </p:clrMapOvr>
+  <p:transition spd="slow">
+    <p:push dir="u"/>
+  </p:transition>
+  <p:timing>
+    <p:tnLst>
+      <p:par>
+        <p:cTn id="1" dur="indefinite" restart="never" nodeType="tmRoot">
+          <p:childTnLst>
+            <p:seq concurrent="1" nextAc="seek">
+              <p:cTn id="2" dur="indefinite" nodeType="mainSeq">
+                <p:childTnLst>
+                  <p:par>
+                    <p:cTn id="3" fill="hold">
+                      <p:stCondLst>
+                        <p:cond delay="indefinite"/>
+                      </p:stCondLst>
+                      <p:childTnLst>
+                        <p:par>
+                          <p:cTn id="4" fill="hold">
+                            <p:stCondLst>
+                              <p:cond delay="0"/>
+                            </p:stCondLst>
+                            <p:childTnLst>
+                              <p:par>
+                                <p:cTn id="5" presetID="10" presetClass="entr" presetSubtype="0" fill="hold" grpId="0" nodeType="clickEffect">
+                                  <p:stCondLst>
+                                    <p:cond delay="0"/>
+                                  </p:stCondLst>
+                                  <p:childTnLst>
+                                    <p:set>
+                                      <p:cBhvr>
+                                        <p:cTn id="6" dur="1" fill="hold">
+                                          <p:stCondLst>
+                                            <p:cond delay="0"/>
+                                          </p:stCondLst>
+                                        </p:cTn>
+                                        <p:tgtEl>
+                                          <p:spTgt spid="3">
+                                            <p:txEl>
+                                              <p:pRg st="0" end="0"/>
+                                            </p:txEl>
+                                          </p:spTgt>
+                                        </p:tgtEl>
+                                        <p:attrNameLst>
+                                          <p:attrName>style.visibility</p:attrName>
+                                        </p:attrNameLst>
+                                      </p:cBhvr>
+                                      <p:to>
+                                        <p:strVal val="visible"/>
+                                      </p:to>
+                                    </p:set>
+                                    <p:animEffect transition="in" filter="fade">
+                                      <p:cBhvr>
+                                        <p:cTn id="7" dur="500"/>
+                                        <p:tgtEl>
+                                          <p:spTgt spid="3">
+                                            <p:txEl>
+                                              <p:pRg st="0" end="0"/>
+                                            </p:txEl>
+                                          </p:spTgt>
+                                        </p:tgtEl>
+                                      </p:cBhvr>
+                                    </p:animEffect>
+                                  </p:childTnLst>
+                                </p:cTn>
+                              </p:par>
+                            </p:childTnLst>
+                          </p:cTn>
+                        </p:par>
+                      </p:childTnLst>
+                    </p:cTn>
+                  </p:par>
+                  <p:par>
+                    <p:cTn id="8" fill="hold">
+                      <p:stCondLst>
+                        <p:cond delay="indefinite"/>
+                      </p:stCondLst>
+                      <p:childTnLst>
+                        <p:par>
+                          <p:cTn id="9" fill="hold">
+                            <p:stCondLst>
+                              <p:cond delay="0"/>
+                            </p:stCondLst>
+                            <p:childTnLst>
+                              <p:par>
+                                <p:cTn id="10" presetID="10" presetClass="entr" presetSubtype="0" fill="hold" grpId="0" nodeType="clickEffect">
+                                  <p:stCondLst>
+                                    <p:cond delay="0"/>
+                                  </p:stCondLst>
+                                  <p:childTnLst>
+                                    <p:set>
+                                      <p:cBhvr>
+                                        <p:cTn id="11" dur="1" fill="hold">
+                                          <p:stCondLst>
+                                            <p:cond delay="0"/>
+                                          </p:stCondLst>
+                                        </p:cTn>
+                                        <p:tgtEl>
+                                          <p:spTgt spid="3">
+                                            <p:txEl>
+                                              <p:pRg st="1" end="1"/>
+                                            </p:txEl>
+                                          </p:spTgt>
+                                        </p:tgtEl>
+                                        <p:attrNameLst>
+                                          <p:attrName>style.visibility</p:attrName>
+                                        </p:attrNameLst>
+                                      </p:cBhvr>
+                                      <p:to>
+                                        <p:strVal val="visible"/>
+                                      </p:to>
+                                    </p:set>
+                                    <p:animEffect transition="in" filter="fade">
+                                      <p:cBhvr>
+                                        <p:cTn id="12" dur="500"/>
+                                        <p:tgtEl>
+                                          <p:spTgt spid="3">
+                                            <p:txEl>
+                                              <p:pRg st="1" end="1"/>
+                                            </p:txEl>
+                                          </p:spTgt>
+                                        </p:tgtEl>
+                                      </p:cBhvr>
+                                    </p:animEffect>
+                                  </p:childTnLst>
+                                </p:cTn>
+                              </p:par>
+                            </p:childTnLst>
+                          </p:cTn>
+                        </p:par>
+                      </p:childTnLst>
+                    </p:cTn>
+                  </p:par>
+                  <p:par>
+                    <p:cTn id="13" fill="hold">
+                      <p:stCondLst>
+                        <p:cond delay="indefinite"/>
+                      </p:stCondLst>
+                      <p:childTnLst>
+                        <p:par>
+                          <p:cTn id="14" fill="hold">
+                            <p:stCondLst>
+                              <p:cond delay="0"/>
+                            </p:stCondLst>
+                            <p:childTnLst>
+                              <p:par>
+                                <p:cTn id="15" presetID="10" presetClass="entr" presetSubtype="0" fill="hold" grpId="0" nodeType="clickEffect">
+                                  <p:stCondLst>
+                                    <p:cond delay="0"/>
+                                  </p:stCondLst>
+                                  <p:childTnLst>
+                                    <p:set>
+                                      <p:cBhvr>
+                                        <p:cTn id="16" dur="1" fill="hold">
+                                          <p:stCondLst>
+                                            <p:cond delay="0"/>
+                                          </p:stCondLst>
+                                        </p:cTn>
+                                        <p:tgtEl>
+                                          <p:spTgt spid="3">
+                                            <p:txEl>
+                                              <p:pRg st="2" end="2"/>
+                                            </p:txEl>
+                                          </p:spTgt>
+                                        </p:tgtEl>
+                                        <p:attrNameLst>
+                                          <p:attrName>style.visibility</p:attrName>
+                                        </p:attrNameLst>
+                                      </p:cBhvr>
+                                      <p:to>
+                                        <p:strVal val="visible"/>
+                                      </p:to>
+                                    </p:set>
+                                    <p:animEffect transition="in" filter="fade">
+                                      <p:cBhvr>
+                                        <p:cTn id="17" dur="500"/>
+                                        <p:tgtEl>
+                                          <p:spTgt spid="3">
+                                            <p:txEl>
+                                              <p:pRg st="2" end="2"/>
+                                            </p:txEl>
+                                          </p:spTgt>
+                                        </p:tgtEl>
+                                      </p:cBhvr>
+                                    </p:animEffect>
+                                  </p:childTnLst>
+                                </p:cTn>
+                              </p:par>
+                            </p:childTnLst>
+                          </p:cTn>
+                        </p:par>
+                      </p:childTnLst>
+                    </p:cTn>
+                  </p:par>
+                  <p:par>
+                    <p:cTn id="18" fill="hold">
+                      <p:stCondLst>
+                        <p:cond delay="indefinite"/>
+                      </p:stCondLst>
+                      <p:childTnLst>
+                        <p:par>
+                          <p:cTn id="19" fill="hold">
+                            <p:stCondLst>
+                              <p:cond delay="0"/>
+                            </p:stCondLst>
+                            <p:childTnLst>
+                              <p:par>
+                                <p:cTn id="20" presetID="10" presetClass="entr" presetSubtype="0" fill="hold" grpId="0" nodeType="clickEffect">
+                                  <p:stCondLst>
+                                    <p:cond delay="0"/>
+                                  </p:stCondLst>
+                                  <p:childTnLst>
+                                    <p:set>
+                                      <p:cBhvr>
+                                        <p:cTn id="21" dur="1" fill="hold">
+                                          <p:stCondLst>
+                                            <p:cond delay="0"/>
+                                          </p:stCondLst>
+                                        </p:cTn>
+                                        <p:tgtEl>
+                                          <p:spTgt spid="3">
+                                            <p:txEl>
+                                              <p:pRg st="3" end="3"/>
+                                            </p:txEl>
+                                          </p:spTgt>
+                                        </p:tgtEl>
+                                        <p:attrNameLst>
+                                          <p:attrName>style.visibility</p:attrName>
+                                        </p:attrNameLst>
+                                      </p:cBhvr>
+                                      <p:to>
+                                        <p:strVal val="visible"/>
+                                      </p:to>
+                                    </p:set>
+                                    <p:animEffect transition="in" filter="fade">
+                                      <p:cBhvr>
+                                        <p:cTn id="22" dur="500"/>
+                                        <p:tgtEl>
+                                          <p:spTgt spid="3">
+                                            <p:txEl>
+                                              <p:pRg st="3" end="3"/>
+                                            </p:txEl>
+                                          </p:spTgt>
+                                        </p:tgtEl>
+                                      </p:cBhvr>
+                                    </p:animEffect>
+                                  </p:childTnLst>
+                                </p:cTn>
+                              </p:par>
+                            </p:childTnLst>
+                          </p:cTn>
+                        </p:par>
+                      </p:childTnLst>
+                    </p:cTn>
+                  </p:par>
+                  <p:par>
+                    <p:cTn id="23" fill="hold">
+                      <p:stCondLst>
+                        <p:cond delay="indefinite"/>
+                      </p:stCondLst>
+                      <p:childTnLst>
+                        <p:par>
+                          <p:cTn id="24" fill="hold">
+                            <p:stCondLst>
+                              <p:cond delay="0"/>
+                            </p:stCondLst>
+                            <p:childTnLst>
+                              <p:par>
+                                <p:cTn id="25" presetID="10" presetClass="entr" presetSubtype="0" fill="hold" grpId="0" nodeType="clickEffect">
+                                  <p:stCondLst>
+                                    <p:cond delay="0"/>
+                                  </p:stCondLst>
+                                  <p:childTnLst>
+                                    <p:set>
+                                      <p:cBhvr>
+                                        <p:cTn id="26" dur="1" fill="hold">
+                                          <p:stCondLst>
+                                            <p:cond delay="0"/>
+                                          </p:stCondLst>
+                                        </p:cTn>
+                                        <p:tgtEl>
+                                          <p:spTgt spid="3">
+                                            <p:txEl>
+                                              <p:pRg st="4" end="4"/>
+                                            </p:txEl>
+                                          </p:spTgt>
+                                        </p:tgtEl>
+                                        <p:attrNameLst>
+                                          <p:attrName>style.visibility</p:attrName>
+                                        </p:attrNameLst>
+                                      </p:cBhvr>
+                                      <p:to>
+                                        <p:strVal val="visible"/>
+                                      </p:to>
+                                    </p:set>
+                                    <p:animEffect transition="in" filter="fade">
+                                      <p:cBhvr>
+                                        <p:cTn id="27" dur="500"/>
+                                        <p:tgtEl>
+                                          <p:spTgt spid="3">
+                                            <p:txEl>
+                                              <p:pRg st="4" end="4"/>
+                                            </p:txEl>
+                                          </p:spTgt>
+                                        </p:tgtEl>
+                                      </p:cBhvr>
+                                    </p:animEffect>
+                                  </p:childTnLst>
+                                </p:cTn>
+                              </p:par>
+                            </p:childTnLst>
+                          </p:cTn>
+                        </p:par>
+                      </p:childTnLst>
+                    </p:cTn>
+                  </p:par>
+                  <p:par>
+                    <p:cTn id="28" fill="hold">
+                      <p:stCondLst>
+                        <p:cond delay="indefinite"/>
+                      </p:stCondLst>
+                      <p:childTnLst>
+                        <p:par>
+                          <p:cTn id="29" fill="hold">
+                            <p:stCondLst>
+                              <p:cond delay="0"/>
+                            </p:stCondLst>
+                            <p:childTnLst>
+                              <p:par>
+                                <p:cTn id="30" presetID="10" presetClass="entr" presetSubtype="0" fill="hold" grpId="0" nodeType="clickEffect">
+                                  <p:stCondLst>
+                                    <p:cond delay="0"/>
+                                  </p:stCondLst>
+                                  <p:childTnLst>
+                                    <p:set>
+                                      <p:cBhvr>
+                                        <p:cTn id="31" dur="1" fill="hold">
+                                          <p:stCondLst>
+                                            <p:cond delay="0"/>
+                                          </p:stCondLst>
+                                        </p:cTn>
+                                        <p:tgtEl>
+                                          <p:spTgt spid="3">
+                                            <p:txEl>
+                                              <p:pRg st="5" end="5"/>
+                                            </p:txEl>
+                                          </p:spTgt>
+                                        </p:tgtEl>
+                                        <p:attrNameLst>
+                                          <p:attrName>style.visibility</p:attrName>
+                                        </p:attrNameLst>
+                                      </p:cBhvr>
+                                      <p:to>
+                                        <p:strVal val="visible"/>
+                                      </p:to>
+                                    </p:set>
+                                    <p:animEffect transition="in" filter="fade">
+                                      <p:cBhvr>
+                                        <p:cTn id="32" dur="500"/>
+                                        <p:tgtEl>
+                                          <p:spTgt spid="3">
+                                            <p:txEl>
+                                              <p:pRg st="5" end="5"/>
+                                            </p:txEl>
+                                          </p:spTgt>
+                                        </p:tgtEl>
+                                      </p:cBhvr>
+                                    </p:animEffect>
+                                  </p:childTnLst>
+                                </p:cTn>
+                              </p:par>
+                            </p:childTnLst>
+                          </p:cTn>
+                        </p:par>
+                      </p:childTnLst>
+                    </p:cTn>
+                  </p:par>
+                  <p:par>
+                    <p:cTn id="33" fill="hold">
+                      <p:stCondLst>
+                        <p:cond delay="indefinite"/>
+                      </p:stCondLst>
+                      <p:childTnLst>
+                        <p:par>
+                          <p:cTn id="34" fill="hold">
+                            <p:stCondLst>
+                              <p:cond delay="0"/>
+                            </p:stCondLst>
+                            <p:childTnLst>
+                              <p:par>
+                                <p:cTn id="35" presetID="10" presetClass="entr" presetSubtype="0" fill="hold" grpId="0" nodeType="clickEffect">
+                                  <p:stCondLst>
+                                    <p:cond delay="0"/>
+                                  </p:stCondLst>
+                                  <p:childTnLst>
+                                    <p:set>
+                                      <p:cBhvr>
+                                        <p:cTn id="36" dur="1" fill="hold">
+                                          <p:stCondLst>
+                                            <p:cond delay="0"/>
+                                          </p:stCondLst>
+                                        </p:cTn>
+                                        <p:tgtEl>
+                                          <p:spTgt spid="3">
+                                            <p:txEl>
+                                              <p:pRg st="6" end="6"/>
+                                            </p:txEl>
+                                          </p:spTgt>
+                                        </p:tgtEl>
+                                        <p:attrNameLst>
+                                          <p:attrName>style.visibility</p:attrName>
+                                        </p:attrNameLst>
+                                      </p:cBhvr>
+                                      <p:to>
+                                        <p:strVal val="visible"/>
+                                      </p:to>
+                                    </p:set>
+                                    <p:animEffect transition="in" filter="fade">
+                                      <p:cBhvr>
+                                        <p:cTn id="37" dur="500"/>
+                                        <p:tgtEl>
+                                          <p:spTgt spid="3">
+                                            <p:txEl>
+                                              <p:pRg st="6" end="6"/>
+                                            </p:txEl>
+                                          </p:spTgt>
+                                        </p:tgtEl>
+                                      </p:cBhvr>
+                                    </p:animEffect>
+                                  </p:childTnLst>
+                                </p:cTn>
+                              </p:par>
+                            </p:childTnLst>
+                          </p:cTn>
+                        </p:par>
+                      </p:childTnLst>
+                    </p:cTn>
+                  </p:par>
+                  <p:par>
+                    <p:cTn id="38" fill="hold">
+                      <p:stCondLst>
+                        <p:cond delay="indefinite"/>
+                      </p:stCondLst>
+                      <p:childTnLst>
+                        <p:par>
+                          <p:cTn id="39" fill="hold">
+                            <p:stCondLst>
+                              <p:cond delay="0"/>
+                            </p:stCondLst>
+                            <p:childTnLst>
+                              <p:par>
+                                <p:cTn id="40" presetID="10" presetClass="entr" presetSubtype="0" fill="hold" grpId="0" nodeType="clickEffect">
+                                  <p:stCondLst>
+                                    <p:cond delay="0"/>
+                                  </p:stCondLst>
+                                  <p:childTnLst>
+                                    <p:set>
+                                      <p:cBhvr>
+                                        <p:cTn id="41" dur="1" fill="hold">
+                                          <p:stCondLst>
+                                            <p:cond delay="0"/>
+                                          </p:stCondLst>
+                                        </p:cTn>
+                                        <p:tgtEl>
+                                          <p:spTgt spid="3">
+                                            <p:txEl>
+                                              <p:pRg st="7" end="7"/>
+                                            </p:txEl>
+                                          </p:spTgt>
+                                        </p:tgtEl>
+                                        <p:attrNameLst>
+                                          <p:attrName>style.visibility</p:attrName>
+                                        </p:attrNameLst>
+                                      </p:cBhvr>
+                                      <p:to>
+                                        <p:strVal val="visible"/>
+                                      </p:to>
+                                    </p:set>
+                                    <p:animEffect transition="in" filter="fade">
+                                      <p:cBhvr>
+                                        <p:cTn id="42" dur="500"/>
+                                        <p:tgtEl>
+                                          <p:spTgt spid="3">
+                                            <p:txEl>
+                                              <p:pRg st="7" end="7"/>
+                                            </p:txEl>
+                                          </p:spTgt>
+                                        </p:tgtEl>
+                                      </p:cBhvr>
+                                    </p:animEffect>
+                                  </p:childTnLst>
+                                </p:cTn>
+                              </p:par>
+                            </p:childTnLst>
+                          </p:cTn>
+                        </p:par>
+                      </p:childTnLst>
+                    </p:cTn>
+                  </p:par>
+                  <p:par>
+                    <p:cTn id="43" fill="hold">
+                      <p:stCondLst>
+                        <p:cond delay="indefinite"/>
+                      </p:stCondLst>
+                      <p:childTnLst>
+                        <p:par>
+                          <p:cTn id="44" fill="hold">
+                            <p:stCondLst>
+                              <p:cond delay="0"/>
+                            </p:stCondLst>
+                            <p:childTnLst>
+                              <p:par>
+                                <p:cTn id="45" presetID="10" presetClass="entr" presetSubtype="0" fill="hold" grpId="0" nodeType="clickEffect">
+                                  <p:stCondLst>
+                                    <p:cond delay="0"/>
+                                  </p:stCondLst>
+                                  <p:childTnLst>
+                                    <p:set>
+                                      <p:cBhvr>
+                                        <p:cTn id="46" dur="1" fill="hold">
+                                          <p:stCondLst>
+                                            <p:cond delay="0"/>
+                                          </p:stCondLst>
+                                        </p:cTn>
+                                        <p:tgtEl>
+                                          <p:spTgt spid="3">
+                                            <p:txEl>
+                                              <p:pRg st="8" end="8"/>
+                                            </p:txEl>
+                                          </p:spTgt>
+                                        </p:tgtEl>
+                                        <p:attrNameLst>
+                                          <p:attrName>style.visibility</p:attrName>
+                                        </p:attrNameLst>
+                                      </p:cBhvr>
+                                      <p:to>
+                                        <p:strVal val="visible"/>
+                                      </p:to>
+                                    </p:set>
+                                    <p:animEffect transition="in" filter="fade">
+                                      <p:cBhvr>
+                                        <p:cTn id="47" dur="500"/>
+                                        <p:tgtEl>
+                                          <p:spTgt spid="3">
+                                            <p:txEl>
+                                              <p:pRg st="8" end="8"/>
+                                            </p:txEl>
+                                          </p:spTgt>
+                                        </p:tgtEl>
+                                      </p:cBhvr>
+                                    </p:animEffect>
+                                  </p:childTnLst>
+                                </p:cTn>
+                              </p:par>
+                            </p:childTnLst>
+                          </p:cTn>
+                        </p:par>
+                      </p:childTnLst>
+                    </p:cTn>
+                  </p:par>
+                  <p:par>
+                    <p:cTn id="48" fill="hold">
+                      <p:stCondLst>
+                        <p:cond delay="indefinite"/>
+                      </p:stCondLst>
+                      <p:childTnLst>
+                        <p:par>
+                          <p:cTn id="49" fill="hold">
+                            <p:stCondLst>
+                              <p:cond delay="0"/>
+                            </p:stCondLst>
+                            <p:childTnLst>
+                              <p:par>
+                                <p:cTn id="50" presetID="10" presetClass="entr" presetSubtype="0" fill="hold" grpId="0" nodeType="clickEffect">
+                                  <p:stCondLst>
+                                    <p:cond delay="0"/>
+                                  </p:stCondLst>
+                                  <p:childTnLst>
+                                    <p:set>
+                                      <p:cBhvr>
+                                        <p:cTn id="51" dur="1" fill="hold">
+                                          <p:stCondLst>
+                                            <p:cond delay="0"/>
+                                          </p:stCondLst>
+                                        </p:cTn>
+                                        <p:tgtEl>
+                                          <p:spTgt spid="3">
+                                            <p:txEl>
+                                              <p:pRg st="9" end="9"/>
+                                            </p:txEl>
+                                          </p:spTgt>
+                                        </p:tgtEl>
+                                        <p:attrNameLst>
+                                          <p:attrName>style.visibility</p:attrName>
+                                        </p:attrNameLst>
+                                      </p:cBhvr>
+                                      <p:to>
+                                        <p:strVal val="visible"/>
+                                      </p:to>
+                                    </p:set>
+                                    <p:animEffect transition="in" filter="fade">
+                                      <p:cBhvr>
+                                        <p:cTn id="52" dur="500"/>
+                                        <p:tgtEl>
+                                          <p:spTgt spid="3">
+                                            <p:txEl>
+                                              <p:pRg st="9" end="9"/>
+                                            </p:txEl>
+                                          </p:spTgt>
+                                        </p:tgtEl>
+                                      </p:cBhvr>
+                                    </p:animEffect>
+                                  </p:childTnLst>
+                                </p:cTn>
+                              </p:par>
+                            </p:childTnLst>
+                          </p:cTn>
+                        </p:par>
+                      </p:childTnLst>
+                    </p:cTn>
+                  </p:par>
+                  <p:par>
+                    <p:cTn id="53" fill="hold">
+                      <p:stCondLst>
+                        <p:cond delay="indefinite"/>
+                      </p:stCondLst>
+                      <p:childTnLst>
+                        <p:par>
+                          <p:cTn id="54" fill="hold">
+                            <p:stCondLst>
+                              <p:cond delay="0"/>
+                            </p:stCondLst>
+                            <p:childTnLst>
+                              <p:par>
+                                <p:cTn id="55" presetID="10" presetClass="entr" presetSubtype="0" fill="hold" grpId="0" nodeType="clickEffect">
+                                  <p:stCondLst>
+                                    <p:cond delay="0"/>
+                                  </p:stCondLst>
+                                  <p:childTnLst>
+                                    <p:set>
+                                      <p:cBhvr>
+                                        <p:cTn id="56" dur="1" fill="hold">
+                                          <p:stCondLst>
+                                            <p:cond delay="0"/>
+                                          </p:stCondLst>
+                                        </p:cTn>
+                                        <p:tgtEl>
+                                          <p:spTgt spid="3">
+                                            <p:txEl>
+                                              <p:pRg st="10" end="10"/>
+                                            </p:txEl>
+                                          </p:spTgt>
+                                        </p:tgtEl>
+                                        <p:attrNameLst>
+                                          <p:attrName>style.visibility</p:attrName>
+                                        </p:attrNameLst>
+                                      </p:cBhvr>
+                                      <p:to>
+                                        <p:strVal val="visible"/>
+                                      </p:to>
+                                    </p:set>
+                                    <p:animEffect transition="in" filter="fade">
+                                      <p:cBhvr>
+                                        <p:cTn id="57" dur="500"/>
+                                        <p:tgtEl>
+                                          <p:spTgt spid="3">
+                                            <p:txEl>
+                                              <p:pRg st="10" end="10"/>
+                                            </p:txEl>
+                                          </p:spTgt>
+                                        </p:tgtEl>
+                                      </p:cBhvr>
+                                    </p:animEffect>
+                                  </p:childTnLst>
+                                </p:cTn>
+                              </p:par>
+                            </p:childTnLst>
+                          </p:cTn>
+                        </p:par>
+                      </p:childTnLst>
+                    </p:cTn>
+                  </p:par>
+                </p:childTnLst>
+              </p:cTn>
+              <p:prevCondLst>
+                <p:cond evt="onPrev" delay="0">
+                  <p:tgtEl>
+                    <p:sldTgt/>
+                  </p:tgtEl>
+                </p:cond>
+              </p:prevCondLst>
+              <p:nextCondLst>
+                <p:cond evt="onNext" delay="0">
+                  <p:tgtEl>
+                    <p:sldTgt/>
+                  </p:tgtEl>
+                </p:cond>
+              </p:nextCondLst>
+            </p:seq>
+          </p:childTnLst>
+        </p:cTn>
+      </p:par>
+    </p:tnLst>
+    <p:bldLst>
+      <p:bldP spid="3" grpId="0" uiExpand="1" build="p"/>
+    </p:bldLst>
+  </p:timing>
 </p:sld>
 </file>
 
@@ -5128,7 +7371,11 @@
           <a:p>
             <a:r>
               <a:rPr lang="zh-CN" altLang="en-US" dirty="0" smtClean="0"/>
-              <a:t>文档变更记录</a:t>
+              <a:t>恢复文档</a:t>
+            </a:r>
+            <a:r>
+              <a:rPr lang="zh-CN" altLang="en-US" dirty="0" smtClean="0"/>
+              <a:t>变更记录</a:t>
             </a:r>
             <a:endParaRPr lang="zh-CN" altLang="en-US" dirty="0"/>
           </a:p>
@@ -5144,11 +7391,54 @@
             <p:ph idx="1"/>
           </p:nvPr>
         </p:nvSpPr>
-        <p:spPr/>
+        <p:spPr>
+          <a:xfrm>
+            <a:off x="457200" y="1600200"/>
+            <a:ext cx="3826768" cy="4944269"/>
+          </a:xfrm>
+        </p:spPr>
         <p:txBody>
           <a:bodyPr/>
           <a:lstStyle/>
           <a:p>
+            <a:r>
+              <a:rPr lang="zh-CN" altLang="en-US" dirty="0" smtClean="0"/>
+              <a:t>在</a:t>
+            </a:r>
+            <a:r>
+              <a:rPr lang="en-US" altLang="zh-CN" dirty="0" err="1" smtClean="0"/>
+              <a:t>Github</a:t>
+            </a:r>
+            <a:r>
+              <a:rPr lang="en-US" altLang="zh-CN" dirty="0" smtClean="0"/>
+              <a:t> commit message</a:t>
+            </a:r>
+            <a:r>
+              <a:rPr lang="zh-CN" altLang="en-US" dirty="0" smtClean="0"/>
+              <a:t>规范的情况下：</a:t>
+            </a:r>
+            <a:endParaRPr lang="en-US" altLang="zh-CN" dirty="0" smtClean="0"/>
+          </a:p>
+          <a:p>
+            <a:r>
+              <a:rPr lang="zh-CN" altLang="en-US" dirty="0" smtClean="0"/>
+              <a:t>文档变更记录可以很容易地从</a:t>
+            </a:r>
+            <a:r>
+              <a:rPr lang="en-US" altLang="zh-CN" dirty="0" smtClean="0"/>
+              <a:t>commit message</a:t>
+            </a:r>
+            <a:r>
+              <a:rPr lang="zh-CN" altLang="en-US" dirty="0" smtClean="0"/>
+              <a:t>恢复</a:t>
+            </a:r>
+            <a:endParaRPr lang="en-US" altLang="zh-CN" dirty="0" smtClean="0"/>
+          </a:p>
+          <a:p>
+            <a:r>
+              <a:rPr lang="en-US" altLang="zh-CN" dirty="0" smtClean="0"/>
+              <a:t>XD</a:t>
+            </a:r>
             <a:endParaRPr lang="zh-CN" altLang="en-US" dirty="0"/>
           </a:p>
         </p:txBody>
@@ -5176,7 +7466,7 @@
         </p:blipFill>
         <p:spPr bwMode="auto">
           <a:xfrm>
-            <a:off x="1835695" y="1268760"/>
+            <a:off x="4427984" y="1124744"/>
             <a:ext cx="4448175" cy="5419725"/>
           </a:xfrm>
           <a:prstGeom prst="rect">
@@ -5227,6 +7517,16 @@
   <p:clrMapOvr>
     <a:masterClrMapping/>
   </p:clrMapOvr>
+  <p:transition spd="slow">
+    <p:push dir="u"/>
+  </p:transition>
+  <p:timing>
+    <p:tnLst>
+      <p:par>
+        <p:cTn id="1" dur="indefinite" restart="never" nodeType="tmRoot"/>
+      </p:par>
+    </p:tnLst>
+  </p:timing>
 </p:sld>
 </file>
 
@@ -5262,7 +7562,23 @@
           <a:bodyPr/>
           <a:lstStyle/>
           <a:p>
-            <a:endParaRPr lang="zh-CN" altLang="en-US"/>
+            <a:r>
+              <a:rPr lang="zh-CN" altLang="en-US" dirty="0"/>
+              <a:t>数据分析</a:t>
+            </a:r>
+            <a:r>
+              <a:rPr lang="zh-CN" altLang="en-US" dirty="0" smtClean="0"/>
+              <a:t>报告</a:t>
+            </a:r>
+            <a:r>
+              <a:rPr lang="en-US" altLang="zh-CN" dirty="0" smtClean="0"/>
+              <a:t>-</a:t>
+            </a:r>
+            <a:r>
+              <a:rPr lang="zh-CN" altLang="en-US" dirty="0" smtClean="0"/>
+              <a:t>人员能力估计</a:t>
+            </a:r>
+            <a:endParaRPr lang="zh-CN" altLang="en-US" dirty="0"/>
           </a:p>
         </p:txBody>
       </p:sp>
@@ -5285,6 +7601,70 @@
           </a:p>
         </p:txBody>
       </p:sp>
+      <p:pic>
+        <p:nvPicPr>
+          <p:cNvPr id="1026" name="Picture 2"/>
+          <p:cNvPicPr>
+            <a:picLocks noChangeAspect="1" noChangeArrowheads="1"/>
+          </p:cNvPicPr>
+          <p:nvPr/>
+        </p:nvPicPr>
+        <p:blipFill>
+          <a:blip r:embed="rId2">
+            <a:extLst>
+              <a:ext uri="{28A0092B-C50C-407E-A947-70E740481C1C}">
+                <a14:useLocalDpi xmlns:a14="http://schemas.microsoft.com/office/drawing/2010/main" val="0"/>
+              </a:ext>
+            </a:extLst>
+          </a:blip>
+          <a:srcRect/>
+          <a:stretch>
+            <a:fillRect/>
+          </a:stretch>
+        </p:blipFill>
+        <p:spPr bwMode="auto">
+          <a:xfrm>
+            <a:off x="323527" y="1700808"/>
+            <a:ext cx="8434937" cy="4032448"/>
+          </a:xfrm>
+          <a:prstGeom prst="rect">
+            <a:avLst/>
+          </a:prstGeom>
+          <a:noFill/>
+          <a:ln>
+            <a:noFill/>
+          </a:ln>
+          <a:effectLst/>
+          <a:extLst>
+            <a:ext uri="{909E8E84-426E-40DD-AFC4-6F175D3DCCD1}">
+              <a14:hiddenFill xmlns:a14="http://schemas.microsoft.com/office/drawing/2010/main">
+                <a:solidFill>
+                  <a:schemeClr val="accent1"/>
+                </a:solidFill>
+              </a14:hiddenFill>
+            </a:ext>
+            <a:ext uri="{91240B29-F687-4F45-9708-019B960494DF}">
+              <a14:hiddenLine xmlns:a14="http://schemas.microsoft.com/office/drawing/2010/main" w="9525">
+                <a:solidFill>
+                  <a:schemeClr val="tx1"/>
+                </a:solidFill>
+                <a:miter lim="800000"/>
+                <a:headEnd/>
+                <a:tailEnd/>
+              </a14:hiddenLine>
+            </a:ext>
+            <a:ext uri="{AF507438-7753-43E0-B8FC-AC1667EBCBE1}">
+              <a14:hiddenEffects xmlns:a14="http://schemas.microsoft.com/office/drawing/2010/main">
+                <a:effectLst>
+                  <a:outerShdw dist="35921" dir="2700000" algn="ctr" rotWithShape="0">
+                    <a:schemeClr val="bg2"/>
+                  </a:outerShdw>
+                </a:effectLst>
+              </a14:hiddenEffects>
+            </a:ext>
+          </a:extLst>
+        </p:spPr>
+      </p:pic>
     </p:spTree>
     <p:extLst>
       <p:ext uri="{BB962C8B-B14F-4D97-AF65-F5344CB8AC3E}">
@@ -5295,6 +7675,170 @@
   <p:clrMapOvr>
     <a:masterClrMapping/>
   </p:clrMapOvr>
+  <p:transition spd="slow">
+    <p:push dir="u"/>
+  </p:transition>
+  <p:timing>
+    <p:tnLst>
+      <p:par>
+        <p:cTn id="1" dur="indefinite" restart="never" nodeType="tmRoot"/>
+      </p:par>
+    </p:tnLst>
+  </p:timing>
+</p:sld>
+</file>
+
+<file path=ppt/slides/slide9.xml><?xml version="1.0" encoding="utf-8"?>
+<p:sld xmlns:a="http://schemas.openxmlformats.org/drawingml/2006/main" xmlns:r="http://schemas.openxmlformats.org/officeDocument/2006/relationships" xmlns:p="http://schemas.openxmlformats.org/presentationml/2006/main">
+  <p:cSld>
+    <p:spTree>
+      <p:nvGrpSpPr>
+        <p:cNvPr id="1" name=""/>
+        <p:cNvGrpSpPr/>
+        <p:nvPr/>
+      </p:nvGrpSpPr>
+      <p:grpSpPr>
+        <a:xfrm>
+          <a:off x="0" y="0"/>
+          <a:ext cx="0" cy="0"/>
+          <a:chOff x="0" y="0"/>
+          <a:chExt cx="0" cy="0"/>
+        </a:xfrm>
+      </p:grpSpPr>
+      <p:sp>
+        <p:nvSpPr>
+          <p:cNvPr id="2" name="标题 1"/>
+          <p:cNvSpPr>
+            <a:spLocks noGrp="1"/>
+          </p:cNvSpPr>
+          <p:nvPr>
+            <p:ph type="title"/>
+          </p:nvPr>
+        </p:nvSpPr>
+        <p:spPr/>
+        <p:txBody>
+          <a:bodyPr/>
+          <a:lstStyle/>
+          <a:p>
+            <a:r>
+              <a:rPr lang="zh-CN" altLang="en-US" dirty="0"/>
+              <a:t>数据分析报告</a:t>
+            </a:r>
+            <a:r>
+              <a:rPr lang="en-US" altLang="zh-CN" dirty="0"/>
+              <a:t>-</a:t>
+            </a:r>
+            <a:r>
+              <a:rPr lang="zh-CN" altLang="en-US" dirty="0" smtClean="0"/>
+              <a:t>需求分析</a:t>
+            </a:r>
+            <a:endParaRPr lang="zh-CN" altLang="en-US" dirty="0"/>
+          </a:p>
+        </p:txBody>
+      </p:sp>
+      <p:sp>
+        <p:nvSpPr>
+          <p:cNvPr id="3" name="内容占位符 2"/>
+          <p:cNvSpPr>
+            <a:spLocks noGrp="1"/>
+          </p:cNvSpPr>
+          <p:nvPr>
+            <p:ph idx="1"/>
+          </p:nvPr>
+        </p:nvSpPr>
+        <p:spPr/>
+        <p:txBody>
+          <a:bodyPr/>
+          <a:lstStyle/>
+          <a:p>
+            <a:endParaRPr lang="zh-CN" altLang="en-US" dirty="0"/>
+          </a:p>
+        </p:txBody>
+      </p:sp>
+      <p:pic>
+        <p:nvPicPr>
+          <p:cNvPr id="2050" name="Picture 2"/>
+          <p:cNvPicPr>
+            <a:picLocks noChangeAspect="1" noChangeArrowheads="1"/>
+          </p:cNvPicPr>
+          <p:nvPr/>
+        </p:nvPicPr>
+        <p:blipFill>
+          <a:blip r:embed="rId2">
+            <a:extLst>
+              <a:ext uri="{28A0092B-C50C-407E-A947-70E740481C1C}">
+                <a14:useLocalDpi xmlns:a14="http://schemas.microsoft.com/office/drawing/2010/main" val="0"/>
+              </a:ext>
+            </a:extLst>
+          </a:blip>
+          <a:srcRect/>
+          <a:stretch>
+            <a:fillRect/>
+          </a:stretch>
+        </p:blipFill>
+        <p:spPr bwMode="auto">
+          <a:xfrm>
+            <a:off x="755576" y="1484783"/>
+            <a:ext cx="7344816" cy="5199435"/>
+          </a:xfrm>
+          <a:prstGeom prst="rect">
+            <a:avLst/>
+          </a:prstGeom>
+          <a:noFill/>
+          <a:ln>
+            <a:noFill/>
+          </a:ln>
+          <a:effectLst/>
+          <a:extLst>
+            <a:ext uri="{909E8E84-426E-40DD-AFC4-6F175D3DCCD1}">
+              <a14:hiddenFill xmlns:a14="http://schemas.microsoft.com/office/drawing/2010/main">
+                <a:solidFill>
+                  <a:schemeClr val="accent1"/>
+                </a:solidFill>
+              </a14:hiddenFill>
+            </a:ext>
+            <a:ext uri="{91240B29-F687-4F45-9708-019B960494DF}">
+              <a14:hiddenLine xmlns:a14="http://schemas.microsoft.com/office/drawing/2010/main" w="9525">
+                <a:solidFill>
+                  <a:schemeClr val="tx1"/>
+                </a:solidFill>
+                <a:miter lim="800000"/>
+                <a:headEnd/>
+                <a:tailEnd/>
+              </a14:hiddenLine>
+            </a:ext>
+            <a:ext uri="{AF507438-7753-43E0-B8FC-AC1667EBCBE1}">
+              <a14:hiddenEffects xmlns:a14="http://schemas.microsoft.com/office/drawing/2010/main">
+                <a:effectLst>
+                  <a:outerShdw dist="35921" dir="2700000" algn="ctr" rotWithShape="0">
+                    <a:schemeClr val="bg2"/>
+                  </a:outerShdw>
+                </a:effectLst>
+              </a14:hiddenEffects>
+            </a:ext>
+          </a:extLst>
+        </p:spPr>
+      </p:pic>
+    </p:spTree>
+    <p:extLst>
+      <p:ext uri="{BB962C8B-B14F-4D97-AF65-F5344CB8AC3E}">
+        <p14:creationId xmlns:p14="http://schemas.microsoft.com/office/powerpoint/2010/main" val="2507805845"/>
+      </p:ext>
+    </p:extLst>
+  </p:cSld>
+  <p:clrMapOvr>
+    <a:masterClrMapping/>
+  </p:clrMapOvr>
+  <p:transition spd="slow">
+    <p:push dir="u"/>
+  </p:transition>
+  <p:timing>
+    <p:tnLst>
+      <p:par>
+        <p:cTn id="1" dur="indefinite" restart="never" nodeType="tmRoot"/>
+      </p:par>
+    </p:tnLst>
+  </p:timing>
 </p:sld>
 </file>
 
